--- a/PRESENTATION/Présentation1.pptx
+++ b/PRESENTATION/Présentation1.pptx
@@ -7,25 +7,28 @@
     <p:sldMasterId id="2147483654" r:id="rId3"/>
   </p:sldMasterIdLst>
   <p:notesMasterIdLst>
-    <p:notesMasterId r:id="rId20"/>
+    <p:notesMasterId r:id="rId23"/>
   </p:notesMasterIdLst>
   <p:sldIdLst>
     <p:sldId id="266" r:id="rId4"/>
     <p:sldId id="447" r:id="rId5"/>
     <p:sldId id="493" r:id="rId6"/>
     <p:sldId id="497" r:id="rId7"/>
-    <p:sldId id="494" r:id="rId8"/>
-    <p:sldId id="281" r:id="rId9"/>
-    <p:sldId id="495" r:id="rId10"/>
-    <p:sldId id="496" r:id="rId11"/>
-    <p:sldId id="416" r:id="rId12"/>
-    <p:sldId id="312" r:id="rId13"/>
-    <p:sldId id="362" r:id="rId14"/>
-    <p:sldId id="378" r:id="rId15"/>
-    <p:sldId id="433" r:id="rId16"/>
-    <p:sldId id="491" r:id="rId17"/>
-    <p:sldId id="492" r:id="rId18"/>
-    <p:sldId id="274" r:id="rId19"/>
+    <p:sldId id="498" r:id="rId8"/>
+    <p:sldId id="499" r:id="rId9"/>
+    <p:sldId id="494" r:id="rId10"/>
+    <p:sldId id="281" r:id="rId11"/>
+    <p:sldId id="495" r:id="rId12"/>
+    <p:sldId id="496" r:id="rId13"/>
+    <p:sldId id="416" r:id="rId14"/>
+    <p:sldId id="312" r:id="rId15"/>
+    <p:sldId id="500" r:id="rId16"/>
+    <p:sldId id="362" r:id="rId17"/>
+    <p:sldId id="378" r:id="rId18"/>
+    <p:sldId id="433" r:id="rId19"/>
+    <p:sldId id="491" r:id="rId20"/>
+    <p:sldId id="492" r:id="rId21"/>
+    <p:sldId id="274" r:id="rId22"/>
   </p:sldIdLst>
   <p:sldSz cx="12192000" cy="6858000"/>
   <p:notesSz cx="6858000" cy="9144000"/>
@@ -1243,7 +1246,7 @@
           <a:p>
             <a:fld id="{EF3E2D55-D778-AF4A-8B1C-E3ACFFEFA0CD}" type="datetimeFigureOut">
               <a:rPr lang="en-US" smtClean="0"/>
-              <a:t>12/9/2019</a:t>
+              <a:t>12/10/2019</a:t>
             </a:fld>
             <a:endParaRPr lang="en-US"/>
           </a:p>
@@ -1614,7 +1617,7 @@
       </p:grpSpPr>
       <p:sp>
         <p:nvSpPr>
-          <p:cNvPr id="2" name="Espace réservé de l'image des diapositives 1"/>
+          <p:cNvPr id="2" name="Slide Image Placeholder 1"/>
           <p:cNvSpPr>
             <a:spLocks noGrp="1" noRot="1" noChangeAspect="1"/>
           </p:cNvSpPr>
@@ -1626,7 +1629,7 @@
       </p:sp>
       <p:sp>
         <p:nvSpPr>
-          <p:cNvPr id="3" name="Espace réservé des notes 2"/>
+          <p:cNvPr id="3" name="Notes Placeholder 2"/>
           <p:cNvSpPr>
             <a:spLocks noGrp="1"/>
           </p:cNvSpPr>
@@ -1639,18 +1642,18 @@
           <a:bodyPr/>
           <a:lstStyle/>
           <a:p>
-            <a:endParaRPr lang="fr-FR" dirty="0"/>
+            <a:endParaRPr lang="en-US" dirty="0"/>
           </a:p>
         </p:txBody>
       </p:sp>
       <p:sp>
         <p:nvSpPr>
-          <p:cNvPr id="4" name="Espace réservé du numéro de diapositive 3"/>
+          <p:cNvPr id="4" name="Slide Number Placeholder 3"/>
           <p:cNvSpPr>
             <a:spLocks noGrp="1"/>
           </p:cNvSpPr>
           <p:nvPr>
-            <p:ph type="sldNum" sz="quarter" idx="5"/>
+            <p:ph type="sldNum" sz="quarter" idx="10"/>
           </p:nvPr>
         </p:nvSpPr>
         <p:spPr/>
@@ -1669,7 +1672,7 @@
     </p:spTree>
     <p:extLst>
       <p:ext uri="{BB962C8B-B14F-4D97-AF65-F5344CB8AC3E}">
-        <p14:creationId xmlns:p14="http://schemas.microsoft.com/office/powerpoint/2010/main" val="1120672513"/>
+        <p14:creationId xmlns:p14="http://schemas.microsoft.com/office/powerpoint/2010/main" val="3879493016"/>
       </p:ext>
     </p:extLst>
   </p:cSld>
@@ -1723,7 +1726,7 @@
           <a:bodyPr/>
           <a:lstStyle/>
           <a:p>
-            <a:endParaRPr lang="en-US"/>
+            <a:endParaRPr lang="en-US" dirty="0"/>
           </a:p>
         </p:txBody>
       </p:sp>
@@ -1744,7 +1747,7 @@
           <a:p>
             <a:fld id="{250503B6-F4CD-DE49-AB30-479371E8558D}" type="slidenum">
               <a:rPr lang="en-US" smtClean="0"/>
-              <a:t>12</a:t>
+              <a:t>11</a:t>
             </a:fld>
             <a:endParaRPr lang="en-US"/>
           </a:p>
@@ -1753,7 +1756,7 @@
     </p:spTree>
     <p:extLst>
       <p:ext uri="{BB962C8B-B14F-4D97-AF65-F5344CB8AC3E}">
-        <p14:creationId xmlns:p14="http://schemas.microsoft.com/office/powerpoint/2010/main" val="1246101662"/>
+        <p14:creationId xmlns:p14="http://schemas.microsoft.com/office/powerpoint/2010/main" val="1577418325"/>
       </p:ext>
     </p:extLst>
   </p:cSld>
@@ -1782,7 +1785,7 @@
       </p:grpSpPr>
       <p:sp>
         <p:nvSpPr>
-          <p:cNvPr id="2" name="Slide Image Placeholder 1"/>
+          <p:cNvPr id="2" name="Espace réservé de l'image des diapositives 1"/>
           <p:cNvSpPr>
             <a:spLocks noGrp="1" noRot="1" noChangeAspect="1"/>
           </p:cNvSpPr>
@@ -1794,7 +1797,7 @@
       </p:sp>
       <p:sp>
         <p:nvSpPr>
-          <p:cNvPr id="3" name="Notes Placeholder 2"/>
+          <p:cNvPr id="3" name="Espace réservé des notes 2"/>
           <p:cNvSpPr>
             <a:spLocks noGrp="1"/>
           </p:cNvSpPr>
@@ -1807,18 +1810,18 @@
           <a:bodyPr/>
           <a:lstStyle/>
           <a:p>
-            <a:endParaRPr lang="en-US" dirty="0"/>
+            <a:endParaRPr lang="fr-FR" dirty="0"/>
           </a:p>
         </p:txBody>
       </p:sp>
       <p:sp>
         <p:nvSpPr>
-          <p:cNvPr id="4" name="Slide Number Placeholder 3"/>
+          <p:cNvPr id="4" name="Espace réservé du numéro de diapositive 3"/>
           <p:cNvSpPr>
             <a:spLocks noGrp="1"/>
           </p:cNvSpPr>
           <p:nvPr>
-            <p:ph type="sldNum" sz="quarter" idx="10"/>
+            <p:ph type="sldNum" sz="quarter" idx="5"/>
           </p:nvPr>
         </p:nvSpPr>
         <p:spPr/>
@@ -1828,7 +1831,7 @@
           <a:p>
             <a:fld id="{250503B6-F4CD-DE49-AB30-479371E8558D}" type="slidenum">
               <a:rPr lang="en-US" smtClean="0"/>
-              <a:t>15</a:t>
+              <a:t>12</a:t>
             </a:fld>
             <a:endParaRPr lang="en-US"/>
           </a:p>
@@ -1837,7 +1840,7 @@
     </p:spTree>
     <p:extLst>
       <p:ext uri="{BB962C8B-B14F-4D97-AF65-F5344CB8AC3E}">
-        <p14:creationId xmlns:p14="http://schemas.microsoft.com/office/powerpoint/2010/main" val="754963290"/>
+        <p14:creationId xmlns:p14="http://schemas.microsoft.com/office/powerpoint/2010/main" val="1120672513"/>
       </p:ext>
     </p:extLst>
   </p:cSld>
@@ -1866,6 +1869,90 @@
       </p:grpSpPr>
       <p:sp>
         <p:nvSpPr>
+          <p:cNvPr id="2" name="Espace réservé de l'image des diapositives 1"/>
+          <p:cNvSpPr>
+            <a:spLocks noGrp="1" noRot="1" noChangeAspect="1"/>
+          </p:cNvSpPr>
+          <p:nvPr>
+            <p:ph type="sldImg"/>
+          </p:nvPr>
+        </p:nvSpPr>
+        <p:spPr/>
+      </p:sp>
+      <p:sp>
+        <p:nvSpPr>
+          <p:cNvPr id="3" name="Espace réservé des notes 2"/>
+          <p:cNvSpPr>
+            <a:spLocks noGrp="1"/>
+          </p:cNvSpPr>
+          <p:nvPr>
+            <p:ph type="body" idx="1"/>
+          </p:nvPr>
+        </p:nvSpPr>
+        <p:spPr/>
+        <p:txBody>
+          <a:bodyPr/>
+          <a:lstStyle/>
+          <a:p>
+            <a:endParaRPr lang="fr-FR" dirty="0"/>
+          </a:p>
+        </p:txBody>
+      </p:sp>
+      <p:sp>
+        <p:nvSpPr>
+          <p:cNvPr id="4" name="Espace réservé du numéro de diapositive 3"/>
+          <p:cNvSpPr>
+            <a:spLocks noGrp="1"/>
+          </p:cNvSpPr>
+          <p:nvPr>
+            <p:ph type="sldNum" sz="quarter" idx="5"/>
+          </p:nvPr>
+        </p:nvSpPr>
+        <p:spPr/>
+        <p:txBody>
+          <a:bodyPr/>
+          <a:lstStyle/>
+          <a:p>
+            <a:fld id="{250503B6-F4CD-DE49-AB30-479371E8558D}" type="slidenum">
+              <a:rPr lang="en-US" smtClean="0"/>
+              <a:t>13</a:t>
+            </a:fld>
+            <a:endParaRPr lang="en-US"/>
+          </a:p>
+        </p:txBody>
+      </p:sp>
+    </p:spTree>
+    <p:extLst>
+      <p:ext uri="{BB962C8B-B14F-4D97-AF65-F5344CB8AC3E}">
+        <p14:creationId xmlns:p14="http://schemas.microsoft.com/office/powerpoint/2010/main" val="3593585055"/>
+      </p:ext>
+    </p:extLst>
+  </p:cSld>
+  <p:clrMapOvr>
+    <a:masterClrMapping/>
+  </p:clrMapOvr>
+</p:notes>
+</file>
+
+<file path=ppt/notesSlides/notesSlide14.xml><?xml version="1.0" encoding="utf-8"?>
+<p:notes xmlns:a="http://schemas.openxmlformats.org/drawingml/2006/main" xmlns:r="http://schemas.openxmlformats.org/officeDocument/2006/relationships" xmlns:p="http://schemas.openxmlformats.org/presentationml/2006/main">
+  <p:cSld>
+    <p:spTree>
+      <p:nvGrpSpPr>
+        <p:cNvPr id="1" name=""/>
+        <p:cNvGrpSpPr/>
+        <p:nvPr/>
+      </p:nvGrpSpPr>
+      <p:grpSpPr>
+        <a:xfrm>
+          <a:off x="0" y="0"/>
+          <a:ext cx="0" cy="0"/>
+          <a:chOff x="0" y="0"/>
+          <a:chExt cx="0" cy="0"/>
+        </a:xfrm>
+      </p:grpSpPr>
+      <p:sp>
+        <p:nvSpPr>
           <p:cNvPr id="2" name="Slide Image Placeholder 1"/>
           <p:cNvSpPr>
             <a:spLocks noGrp="1" noRot="1" noChangeAspect="1"/>
@@ -1891,7 +1978,7 @@
           <a:bodyPr/>
           <a:lstStyle/>
           <a:p>
-            <a:endParaRPr lang="en-US" dirty="0"/>
+            <a:endParaRPr lang="en-US"/>
           </a:p>
         </p:txBody>
       </p:sp>
@@ -1912,7 +1999,175 @@
           <a:p>
             <a:fld id="{250503B6-F4CD-DE49-AB30-479371E8558D}" type="slidenum">
               <a:rPr lang="en-US" smtClean="0"/>
-              <a:t>16</a:t>
+              <a:t>15</a:t>
+            </a:fld>
+            <a:endParaRPr lang="en-US"/>
+          </a:p>
+        </p:txBody>
+      </p:sp>
+    </p:spTree>
+    <p:extLst>
+      <p:ext uri="{BB962C8B-B14F-4D97-AF65-F5344CB8AC3E}">
+        <p14:creationId xmlns:p14="http://schemas.microsoft.com/office/powerpoint/2010/main" val="1246101662"/>
+      </p:ext>
+    </p:extLst>
+  </p:cSld>
+  <p:clrMapOvr>
+    <a:masterClrMapping/>
+  </p:clrMapOvr>
+</p:notes>
+</file>
+
+<file path=ppt/notesSlides/notesSlide15.xml><?xml version="1.0" encoding="utf-8"?>
+<p:notes xmlns:a="http://schemas.openxmlformats.org/drawingml/2006/main" xmlns:r="http://schemas.openxmlformats.org/officeDocument/2006/relationships" xmlns:p="http://schemas.openxmlformats.org/presentationml/2006/main">
+  <p:cSld>
+    <p:spTree>
+      <p:nvGrpSpPr>
+        <p:cNvPr id="1" name=""/>
+        <p:cNvGrpSpPr/>
+        <p:nvPr/>
+      </p:nvGrpSpPr>
+      <p:grpSpPr>
+        <a:xfrm>
+          <a:off x="0" y="0"/>
+          <a:ext cx="0" cy="0"/>
+          <a:chOff x="0" y="0"/>
+          <a:chExt cx="0" cy="0"/>
+        </a:xfrm>
+      </p:grpSpPr>
+      <p:sp>
+        <p:nvSpPr>
+          <p:cNvPr id="2" name="Slide Image Placeholder 1"/>
+          <p:cNvSpPr>
+            <a:spLocks noGrp="1" noRot="1" noChangeAspect="1"/>
+          </p:cNvSpPr>
+          <p:nvPr>
+            <p:ph type="sldImg"/>
+          </p:nvPr>
+        </p:nvSpPr>
+        <p:spPr/>
+      </p:sp>
+      <p:sp>
+        <p:nvSpPr>
+          <p:cNvPr id="3" name="Notes Placeholder 2"/>
+          <p:cNvSpPr>
+            <a:spLocks noGrp="1"/>
+          </p:cNvSpPr>
+          <p:nvPr>
+            <p:ph type="body" idx="1"/>
+          </p:nvPr>
+        </p:nvSpPr>
+        <p:spPr/>
+        <p:txBody>
+          <a:bodyPr/>
+          <a:lstStyle/>
+          <a:p>
+            <a:endParaRPr lang="en-US" dirty="0"/>
+          </a:p>
+        </p:txBody>
+      </p:sp>
+      <p:sp>
+        <p:nvSpPr>
+          <p:cNvPr id="4" name="Slide Number Placeholder 3"/>
+          <p:cNvSpPr>
+            <a:spLocks noGrp="1"/>
+          </p:cNvSpPr>
+          <p:nvPr>
+            <p:ph type="sldNum" sz="quarter" idx="10"/>
+          </p:nvPr>
+        </p:nvSpPr>
+        <p:spPr/>
+        <p:txBody>
+          <a:bodyPr/>
+          <a:lstStyle/>
+          <a:p>
+            <a:fld id="{250503B6-F4CD-DE49-AB30-479371E8558D}" type="slidenum">
+              <a:rPr lang="en-US" smtClean="0"/>
+              <a:t>18</a:t>
+            </a:fld>
+            <a:endParaRPr lang="en-US"/>
+          </a:p>
+        </p:txBody>
+      </p:sp>
+    </p:spTree>
+    <p:extLst>
+      <p:ext uri="{BB962C8B-B14F-4D97-AF65-F5344CB8AC3E}">
+        <p14:creationId xmlns:p14="http://schemas.microsoft.com/office/powerpoint/2010/main" val="754963290"/>
+      </p:ext>
+    </p:extLst>
+  </p:cSld>
+  <p:clrMapOvr>
+    <a:masterClrMapping/>
+  </p:clrMapOvr>
+</p:notes>
+</file>
+
+<file path=ppt/notesSlides/notesSlide16.xml><?xml version="1.0" encoding="utf-8"?>
+<p:notes xmlns:a="http://schemas.openxmlformats.org/drawingml/2006/main" xmlns:r="http://schemas.openxmlformats.org/officeDocument/2006/relationships" xmlns:p="http://schemas.openxmlformats.org/presentationml/2006/main">
+  <p:cSld>
+    <p:spTree>
+      <p:nvGrpSpPr>
+        <p:cNvPr id="1" name=""/>
+        <p:cNvGrpSpPr/>
+        <p:nvPr/>
+      </p:nvGrpSpPr>
+      <p:grpSpPr>
+        <a:xfrm>
+          <a:off x="0" y="0"/>
+          <a:ext cx="0" cy="0"/>
+          <a:chOff x="0" y="0"/>
+          <a:chExt cx="0" cy="0"/>
+        </a:xfrm>
+      </p:grpSpPr>
+      <p:sp>
+        <p:nvSpPr>
+          <p:cNvPr id="2" name="Slide Image Placeholder 1"/>
+          <p:cNvSpPr>
+            <a:spLocks noGrp="1" noRot="1" noChangeAspect="1"/>
+          </p:cNvSpPr>
+          <p:nvPr>
+            <p:ph type="sldImg"/>
+          </p:nvPr>
+        </p:nvSpPr>
+        <p:spPr/>
+      </p:sp>
+      <p:sp>
+        <p:nvSpPr>
+          <p:cNvPr id="3" name="Notes Placeholder 2"/>
+          <p:cNvSpPr>
+            <a:spLocks noGrp="1"/>
+          </p:cNvSpPr>
+          <p:nvPr>
+            <p:ph type="body" idx="1"/>
+          </p:nvPr>
+        </p:nvSpPr>
+        <p:spPr/>
+        <p:txBody>
+          <a:bodyPr/>
+          <a:lstStyle/>
+          <a:p>
+            <a:endParaRPr lang="en-US" dirty="0"/>
+          </a:p>
+        </p:txBody>
+      </p:sp>
+      <p:sp>
+        <p:nvSpPr>
+          <p:cNvPr id="4" name="Slide Number Placeholder 3"/>
+          <p:cNvSpPr>
+            <a:spLocks noGrp="1"/>
+          </p:cNvSpPr>
+          <p:nvPr>
+            <p:ph type="sldNum" sz="quarter" idx="10"/>
+          </p:nvPr>
+        </p:nvSpPr>
+        <p:spPr/>
+        <p:txBody>
+          <a:bodyPr/>
+          <a:lstStyle/>
+          <a:p>
+            <a:fld id="{250503B6-F4CD-DE49-AB30-479371E8558D}" type="slidenum">
+              <a:rPr lang="en-US" smtClean="0"/>
+              <a:t>19</a:t>
             </a:fld>
             <a:endParaRPr lang="en-US"/>
           </a:p>
@@ -2257,7 +2512,7 @@
     </p:spTree>
     <p:extLst>
       <p:ext uri="{BB962C8B-B14F-4D97-AF65-F5344CB8AC3E}">
-        <p14:creationId xmlns:p14="http://schemas.microsoft.com/office/powerpoint/2010/main" val="897436760"/>
+        <p14:creationId xmlns:p14="http://schemas.microsoft.com/office/powerpoint/2010/main" val="3793572758"/>
       </p:ext>
     </p:extLst>
   </p:cSld>
@@ -2341,7 +2596,7 @@
     </p:spTree>
     <p:extLst>
       <p:ext uri="{BB962C8B-B14F-4D97-AF65-F5344CB8AC3E}">
-        <p14:creationId xmlns:p14="http://schemas.microsoft.com/office/powerpoint/2010/main" val="1033206202"/>
+        <p14:creationId xmlns:p14="http://schemas.microsoft.com/office/powerpoint/2010/main" val="1121159539"/>
       </p:ext>
     </p:extLst>
   </p:cSld>
@@ -2425,7 +2680,7 @@
     </p:spTree>
     <p:extLst>
       <p:ext uri="{BB962C8B-B14F-4D97-AF65-F5344CB8AC3E}">
-        <p14:creationId xmlns:p14="http://schemas.microsoft.com/office/powerpoint/2010/main" val="425232731"/>
+        <p14:creationId xmlns:p14="http://schemas.microsoft.com/office/powerpoint/2010/main" val="897436760"/>
       </p:ext>
     </p:extLst>
   </p:cSld>
@@ -2509,7 +2764,7 @@
     </p:spTree>
     <p:extLst>
       <p:ext uri="{BB962C8B-B14F-4D97-AF65-F5344CB8AC3E}">
-        <p14:creationId xmlns:p14="http://schemas.microsoft.com/office/powerpoint/2010/main" val="3879493016"/>
+        <p14:creationId xmlns:p14="http://schemas.microsoft.com/office/powerpoint/2010/main" val="1033206202"/>
       </p:ext>
     </p:extLst>
   </p:cSld>
@@ -2593,7 +2848,7 @@
     </p:spTree>
     <p:extLst>
       <p:ext uri="{BB962C8B-B14F-4D97-AF65-F5344CB8AC3E}">
-        <p14:creationId xmlns:p14="http://schemas.microsoft.com/office/powerpoint/2010/main" val="1577418325"/>
+        <p14:creationId xmlns:p14="http://schemas.microsoft.com/office/powerpoint/2010/main" val="425232731"/>
       </p:ext>
     </p:extLst>
   </p:cSld>
@@ -5904,6 +6159,14 @@
 <file path=ppt/slides/slide10.xml><?xml version="1.0" encoding="utf-8"?>
 <p:sld xmlns:a="http://schemas.openxmlformats.org/drawingml/2006/main" xmlns:r="http://schemas.openxmlformats.org/officeDocument/2006/relationships" xmlns:p="http://schemas.openxmlformats.org/presentationml/2006/main">
   <p:cSld>
+    <p:bg>
+      <p:bgPr>
+        <a:solidFill>
+          <a:srgbClr val="F5F5F5"/>
+        </a:solidFill>
+        <a:effectLst/>
+      </p:bgPr>
+    </p:bg>
     <p:spTree>
       <p:nvGrpSpPr>
         <p:cNvPr id="1" name=""/>
@@ -5920,7 +6183,60 @@
       </p:grpSpPr>
       <p:sp>
         <p:nvSpPr>
-          <p:cNvPr id="3" name="Title 2"/>
+          <p:cNvPr id="13" name="Rectangle 12"/>
+          <p:cNvSpPr/>
+          <p:nvPr/>
+        </p:nvSpPr>
+        <p:spPr>
+          <a:xfrm>
+            <a:off x="526941" y="2277035"/>
+            <a:ext cx="11117373" cy="4007648"/>
+          </a:xfrm>
+          <a:prstGeom prst="rect">
+            <a:avLst/>
+          </a:prstGeom>
+          <a:solidFill>
+            <a:schemeClr val="bg1"/>
+          </a:solidFill>
+          <a:ln>
+            <a:noFill/>
+          </a:ln>
+          <a:effectLst>
+            <a:outerShdw blurRad="38100" dist="12700" dir="5400000" algn="ctr" rotWithShape="0">
+              <a:srgbClr val="000000">
+                <a:alpha val="30000"/>
+              </a:srgbClr>
+            </a:outerShdw>
+          </a:effectLst>
+        </p:spPr>
+        <p:style>
+          <a:lnRef idx="2">
+            <a:schemeClr val="accent1">
+              <a:shade val="50000"/>
+            </a:schemeClr>
+          </a:lnRef>
+          <a:fillRef idx="1">
+            <a:schemeClr val="accent1"/>
+          </a:fillRef>
+          <a:effectRef idx="0">
+            <a:schemeClr val="accent1"/>
+          </a:effectRef>
+          <a:fontRef idx="minor">
+            <a:schemeClr val="lt1"/>
+          </a:fontRef>
+        </p:style>
+        <p:txBody>
+          <a:bodyPr rtlCol="0" anchor="ctr"/>
+          <a:lstStyle/>
+          <a:p>
+            <a:pPr algn="ctr"/>
+            <a:endParaRPr lang="en-US"/>
+          </a:p>
+        </p:txBody>
+      </p:sp>
+      <p:sp>
+        <p:nvSpPr>
+          <p:cNvPr id="2" name="Title 1"/>
           <p:cNvSpPr>
             <a:spLocks noGrp="1"/>
           </p:cNvSpPr>
@@ -5935,7 +6251,7 @@
           <a:p>
             <a:r>
               <a:rPr lang="en-US" dirty="0"/>
-              <a:t>TRAITEMENT D’IMAGES</a:t>
+              <a:t>BIBLIOTHEQUES</a:t>
             </a:r>
           </a:p>
         </p:txBody>
@@ -5960,10 +6276,1262 @@
           <a:bodyPr/>
           <a:lstStyle/>
           <a:p>
+            <a:fld id="{936C95AE-7298-45E1-9514-94AFF5BED89B}" type="slidenum">
+              <a:rPr lang="en-US" smtClean="0"/>
+              <a:pPr/>
+              <a:t>10</a:t>
+            </a:fld>
+            <a:endParaRPr lang="en-US" dirty="0"/>
+          </a:p>
+        </p:txBody>
+      </p:sp>
+      <p:sp>
+        <p:nvSpPr>
+          <p:cNvPr id="24" name="Oval 23"/>
+          <p:cNvSpPr/>
+          <p:nvPr/>
+        </p:nvSpPr>
+        <p:spPr>
+          <a:xfrm>
+            <a:off x="5704208" y="5780412"/>
+            <a:ext cx="875886" cy="875886"/>
+          </a:xfrm>
+          <a:prstGeom prst="ellipse">
+            <a:avLst/>
+          </a:prstGeom>
+          <a:solidFill>
+            <a:schemeClr val="accent3"/>
+          </a:solidFill>
+          <a:ln>
+            <a:noFill/>
+          </a:ln>
+          <a:effectLst>
+            <a:outerShdw blurRad="38100" dist="12700" dir="5400000" algn="ctr" rotWithShape="0">
+              <a:srgbClr val="000000">
+                <a:alpha val="30000"/>
+              </a:srgbClr>
+            </a:outerShdw>
+          </a:effectLst>
+        </p:spPr>
+        <p:style>
+          <a:lnRef idx="2">
+            <a:schemeClr val="accent1">
+              <a:shade val="50000"/>
+            </a:schemeClr>
+          </a:lnRef>
+          <a:fillRef idx="1">
+            <a:schemeClr val="accent1"/>
+          </a:fillRef>
+          <a:effectRef idx="0">
+            <a:schemeClr val="accent1"/>
+          </a:effectRef>
+          <a:fontRef idx="minor">
+            <a:schemeClr val="lt1"/>
+          </a:fontRef>
+        </p:style>
+        <p:txBody>
+          <a:bodyPr rtlCol="0" anchor="ctr"/>
+          <a:lstStyle/>
+          <a:p>
+            <a:pPr algn="ctr"/>
+            <a:endParaRPr lang="en-US"/>
+          </a:p>
+        </p:txBody>
+      </p:sp>
+      <p:sp>
+        <p:nvSpPr>
+          <p:cNvPr id="31" name="Rectangle 30"/>
+          <p:cNvSpPr/>
+          <p:nvPr/>
+        </p:nvSpPr>
+        <p:spPr>
+          <a:xfrm>
+            <a:off x="526941" y="2619786"/>
+            <a:ext cx="11117373" cy="568682"/>
+          </a:xfrm>
+          <a:prstGeom prst="rect">
+            <a:avLst/>
+          </a:prstGeom>
+        </p:spPr>
+        <p:txBody>
+          <a:bodyPr wrap="square">
+            <a:spAutoFit/>
+          </a:bodyPr>
+          <a:lstStyle/>
+          <a:p>
+            <a:pPr algn="ctr">
+              <a:lnSpc>
+                <a:spcPct val="120000"/>
+              </a:lnSpc>
+            </a:pPr>
+            <a:r>
+              <a:rPr lang="en-US" sz="2800" dirty="0">
+                <a:latin typeface="Roboto Light" charset="0"/>
+                <a:ea typeface="Roboto Light" charset="0"/>
+                <a:cs typeface="Roboto Light" charset="0"/>
+              </a:rPr>
+              <a:t>INSTALLATION VIA SSH</a:t>
+            </a:r>
+            <a:endParaRPr lang="en-US" sz="2400" dirty="0">
+              <a:latin typeface="Roboto Light" charset="0"/>
+              <a:ea typeface="Roboto Light" charset="0"/>
+              <a:cs typeface="Roboto Light" charset="0"/>
+            </a:endParaRPr>
+          </a:p>
+        </p:txBody>
+      </p:sp>
+      <p:pic>
+        <p:nvPicPr>
+          <p:cNvPr id="8" name="Image 7">
+            <a:extLst>
+              <a:ext uri="{FF2B5EF4-FFF2-40B4-BE49-F238E27FC236}">
+                <a16:creationId xmlns:a16="http://schemas.microsoft.com/office/drawing/2014/main" id="{788662CA-A775-4018-A371-E680CF7D7BD2}"/>
+              </a:ext>
+            </a:extLst>
+          </p:cNvPr>
+          <p:cNvPicPr>
+            <a:picLocks noChangeAspect="1"/>
+          </p:cNvPicPr>
+          <p:nvPr/>
+        </p:nvPicPr>
+        <p:blipFill>
+          <a:blip r:embed="rId3">
+            <a:extLst>
+              <a:ext uri="{28A0092B-C50C-407E-A947-70E740481C1C}">
+                <a14:useLocalDpi xmlns:a14="http://schemas.microsoft.com/office/drawing/2010/main" val="0"/>
+              </a:ext>
+            </a:extLst>
+          </a:blip>
+          <a:stretch>
+            <a:fillRect/>
+          </a:stretch>
+        </p:blipFill>
+        <p:spPr>
+          <a:xfrm>
+            <a:off x="5803939" y="5869260"/>
+            <a:ext cx="676424" cy="676424"/>
+          </a:xfrm>
+          <a:prstGeom prst="rect">
+            <a:avLst/>
+          </a:prstGeom>
+        </p:spPr>
+      </p:pic>
+      <p:pic>
+        <p:nvPicPr>
+          <p:cNvPr id="10" name="Image 9">
+            <a:extLst>
+              <a:ext uri="{FF2B5EF4-FFF2-40B4-BE49-F238E27FC236}">
+                <a16:creationId xmlns:a16="http://schemas.microsoft.com/office/drawing/2014/main" id="{BE1D6E45-A387-4960-B293-A1D4AD6BBB03}"/>
+              </a:ext>
+            </a:extLst>
+          </p:cNvPr>
+          <p:cNvPicPr>
+            <a:picLocks noChangeAspect="1"/>
+          </p:cNvPicPr>
+          <p:nvPr/>
+        </p:nvPicPr>
+        <p:blipFill>
+          <a:blip r:embed="rId4">
+            <a:extLst>
+              <a:ext uri="{28A0092B-C50C-407E-A947-70E740481C1C}">
+                <a14:useLocalDpi xmlns:a14="http://schemas.microsoft.com/office/drawing/2010/main" val="0"/>
+              </a:ext>
+            </a:extLst>
+          </a:blip>
+          <a:stretch>
+            <a:fillRect/>
+          </a:stretch>
+        </p:blipFill>
+        <p:spPr>
+          <a:xfrm>
+            <a:off x="683397" y="3274699"/>
+            <a:ext cx="3737881" cy="2789381"/>
+          </a:xfrm>
+          <a:prstGeom prst="rect">
+            <a:avLst/>
+          </a:prstGeom>
+        </p:spPr>
+      </p:pic>
+      <p:sp>
+        <p:nvSpPr>
+          <p:cNvPr id="23" name="Shape 385">
+            <a:extLst>
+              <a:ext uri="{FF2B5EF4-FFF2-40B4-BE49-F238E27FC236}">
+                <a16:creationId xmlns:a16="http://schemas.microsoft.com/office/drawing/2014/main" id="{52CCD468-CAA1-4D94-B168-3C48834675F0}"/>
+              </a:ext>
+            </a:extLst>
+          </p:cNvPr>
+          <p:cNvSpPr/>
+          <p:nvPr/>
+        </p:nvSpPr>
+        <p:spPr>
+          <a:xfrm rot="5400000">
+            <a:off x="5596901" y="2940559"/>
+            <a:ext cx="1485572" cy="3450905"/>
+          </a:xfrm>
+          <a:custGeom>
+            <a:avLst/>
+            <a:gdLst/>
+            <a:ahLst/>
+            <a:cxnLst>
+              <a:cxn ang="0">
+                <a:pos x="wd2" y="hd2"/>
+              </a:cxn>
+              <a:cxn ang="5400000">
+                <a:pos x="wd2" y="hd2"/>
+              </a:cxn>
+              <a:cxn ang="10800000">
+                <a:pos x="wd2" y="hd2"/>
+              </a:cxn>
+              <a:cxn ang="16200000">
+                <a:pos x="wd2" y="hd2"/>
+              </a:cxn>
+            </a:cxnLst>
+            <a:rect l="0" t="0" r="r" b="b"/>
+            <a:pathLst>
+              <a:path w="21600" h="21600" extrusionOk="0">
+                <a:moveTo>
+                  <a:pt x="10799" y="0"/>
+                </a:moveTo>
+                <a:lnTo>
+                  <a:pt x="0" y="7088"/>
+                </a:lnTo>
+                <a:lnTo>
+                  <a:pt x="2154" y="7088"/>
+                </a:lnTo>
+                <a:lnTo>
+                  <a:pt x="2154" y="21600"/>
+                </a:lnTo>
+                <a:lnTo>
+                  <a:pt x="10801" y="18540"/>
+                </a:lnTo>
+                <a:lnTo>
+                  <a:pt x="19444" y="21599"/>
+                </a:lnTo>
+                <a:lnTo>
+                  <a:pt x="19444" y="7088"/>
+                </a:lnTo>
+                <a:lnTo>
+                  <a:pt x="21600" y="7088"/>
+                </a:lnTo>
+                <a:lnTo>
+                  <a:pt x="10799" y="0"/>
+                </a:lnTo>
+                <a:close/>
+              </a:path>
+            </a:pathLst>
+          </a:custGeom>
+          <a:solidFill>
+            <a:srgbClr val="76B900"/>
+          </a:solidFill>
+          <a:ln w="12700" cap="flat">
+            <a:noFill/>
+            <a:miter lim="400000"/>
+          </a:ln>
+          <a:effectLst>
+            <a:outerShdw blurRad="50800" dist="25400" dir="5400000" algn="ctr" rotWithShape="0">
+              <a:srgbClr val="000000">
+                <a:alpha val="30000"/>
+              </a:srgbClr>
+            </a:outerShdw>
+          </a:effectLst>
+        </p:spPr>
+        <p:txBody>
+          <a:bodyPr wrap="square" lIns="0" tIns="0" rIns="0" bIns="0" numCol="1" anchor="ctr">
+            <a:noAutofit/>
+          </a:bodyPr>
+          <a:lstStyle/>
+          <a:p>
+            <a:pPr lvl="0">
+              <a:defRPr sz="3200">
+                <a:solidFill>
+                  <a:srgbClr val="FFFFFF"/>
+                </a:solidFill>
+              </a:defRPr>
+            </a:pPr>
+            <a:endParaRPr>
+              <a:latin typeface="Roboto Light" charset="0"/>
+              <a:ea typeface="Roboto Light" charset="0"/>
+              <a:cs typeface="Roboto Light" charset="0"/>
+            </a:endParaRPr>
+          </a:p>
+        </p:txBody>
+      </p:sp>
+      <p:pic>
+        <p:nvPicPr>
+          <p:cNvPr id="12" name="Image 11">
+            <a:extLst>
+              <a:ext uri="{FF2B5EF4-FFF2-40B4-BE49-F238E27FC236}">
+                <a16:creationId xmlns:a16="http://schemas.microsoft.com/office/drawing/2014/main" id="{18517EEA-EE4C-4CCC-A507-6B2C5905BF22}"/>
+              </a:ext>
+            </a:extLst>
+          </p:cNvPr>
+          <p:cNvPicPr>
+            <a:picLocks noChangeAspect="1"/>
+          </p:cNvPicPr>
+          <p:nvPr/>
+        </p:nvPicPr>
+        <p:blipFill>
+          <a:blip r:embed="rId5" cstate="print">
+            <a:extLst>
+              <a:ext uri="{28A0092B-C50C-407E-A947-70E740481C1C}">
+                <a14:useLocalDpi xmlns:a14="http://schemas.microsoft.com/office/drawing/2010/main" val="0"/>
+              </a:ext>
+            </a:extLst>
+          </a:blip>
+          <a:stretch>
+            <a:fillRect/>
+          </a:stretch>
+        </p:blipFill>
+        <p:spPr>
+          <a:xfrm>
+            <a:off x="5573581" y="4300955"/>
+            <a:ext cx="1023926" cy="575958"/>
+          </a:xfrm>
+          <a:prstGeom prst="rect">
+            <a:avLst/>
+          </a:prstGeom>
+        </p:spPr>
+      </p:pic>
+      <p:sp>
+        <p:nvSpPr>
+          <p:cNvPr id="35" name="Freeform 53">
+            <a:extLst>
+              <a:ext uri="{FF2B5EF4-FFF2-40B4-BE49-F238E27FC236}">
+                <a16:creationId xmlns:a16="http://schemas.microsoft.com/office/drawing/2014/main" id="{B154E40D-CEF4-42BE-B13D-D190277D61E0}"/>
+              </a:ext>
+            </a:extLst>
+          </p:cNvPr>
+          <p:cNvSpPr>
+            <a:spLocks noChangeArrowheads="1"/>
+          </p:cNvSpPr>
+          <p:nvPr/>
+        </p:nvSpPr>
+        <p:spPr bwMode="auto">
+          <a:xfrm>
+            <a:off x="5445448" y="4243109"/>
+            <a:ext cx="1289673" cy="845803"/>
+          </a:xfrm>
+          <a:custGeom>
+            <a:avLst/>
+            <a:gdLst>
+              <a:gd name="T0" fmla="*/ 528 w 636"/>
+              <a:gd name="T1" fmla="*/ 371 h 423"/>
+              <a:gd name="T2" fmla="*/ 584 w 636"/>
+              <a:gd name="T3" fmla="*/ 315 h 423"/>
+              <a:gd name="T4" fmla="*/ 584 w 636"/>
+              <a:gd name="T5" fmla="*/ 51 h 423"/>
+              <a:gd name="T6" fmla="*/ 528 w 636"/>
+              <a:gd name="T7" fmla="*/ 0 h 423"/>
+              <a:gd name="T8" fmla="*/ 107 w 636"/>
+              <a:gd name="T9" fmla="*/ 0 h 423"/>
+              <a:gd name="T10" fmla="*/ 51 w 636"/>
+              <a:gd name="T11" fmla="*/ 51 h 423"/>
+              <a:gd name="T12" fmla="*/ 51 w 636"/>
+              <a:gd name="T13" fmla="*/ 315 h 423"/>
+              <a:gd name="T14" fmla="*/ 107 w 636"/>
+              <a:gd name="T15" fmla="*/ 371 h 423"/>
+              <a:gd name="T16" fmla="*/ 0 w 636"/>
+              <a:gd name="T17" fmla="*/ 371 h 423"/>
+              <a:gd name="T18" fmla="*/ 0 w 636"/>
+              <a:gd name="T19" fmla="*/ 422 h 423"/>
+              <a:gd name="T20" fmla="*/ 635 w 636"/>
+              <a:gd name="T21" fmla="*/ 422 h 423"/>
+              <a:gd name="T22" fmla="*/ 635 w 636"/>
+              <a:gd name="T23" fmla="*/ 371 h 423"/>
+              <a:gd name="T24" fmla="*/ 528 w 636"/>
+              <a:gd name="T25" fmla="*/ 371 h 423"/>
+              <a:gd name="T26" fmla="*/ 107 w 636"/>
+              <a:gd name="T27" fmla="*/ 51 h 423"/>
+              <a:gd name="T28" fmla="*/ 528 w 636"/>
+              <a:gd name="T29" fmla="*/ 51 h 423"/>
+              <a:gd name="T30" fmla="*/ 528 w 636"/>
+              <a:gd name="T31" fmla="*/ 315 h 423"/>
+              <a:gd name="T32" fmla="*/ 107 w 636"/>
+              <a:gd name="T33" fmla="*/ 315 h 423"/>
+              <a:gd name="T34" fmla="*/ 107 w 636"/>
+              <a:gd name="T35" fmla="*/ 51 h 423"/>
+            </a:gdLst>
+            <a:ahLst/>
+            <a:cxnLst>
+              <a:cxn ang="0">
+                <a:pos x="T0" y="T1"/>
+              </a:cxn>
+              <a:cxn ang="0">
+                <a:pos x="T2" y="T3"/>
+              </a:cxn>
+              <a:cxn ang="0">
+                <a:pos x="T4" y="T5"/>
+              </a:cxn>
+              <a:cxn ang="0">
+                <a:pos x="T6" y="T7"/>
+              </a:cxn>
+              <a:cxn ang="0">
+                <a:pos x="T8" y="T9"/>
+              </a:cxn>
+              <a:cxn ang="0">
+                <a:pos x="T10" y="T11"/>
+              </a:cxn>
+              <a:cxn ang="0">
+                <a:pos x="T12" y="T13"/>
+              </a:cxn>
+              <a:cxn ang="0">
+                <a:pos x="T14" y="T15"/>
+              </a:cxn>
+              <a:cxn ang="0">
+                <a:pos x="T16" y="T17"/>
+              </a:cxn>
+              <a:cxn ang="0">
+                <a:pos x="T18" y="T19"/>
+              </a:cxn>
+              <a:cxn ang="0">
+                <a:pos x="T20" y="T21"/>
+              </a:cxn>
+              <a:cxn ang="0">
+                <a:pos x="T22" y="T23"/>
+              </a:cxn>
+              <a:cxn ang="0">
+                <a:pos x="T24" y="T25"/>
+              </a:cxn>
+              <a:cxn ang="0">
+                <a:pos x="T26" y="T27"/>
+              </a:cxn>
+              <a:cxn ang="0">
+                <a:pos x="T28" y="T29"/>
+              </a:cxn>
+              <a:cxn ang="0">
+                <a:pos x="T30" y="T31"/>
+              </a:cxn>
+              <a:cxn ang="0">
+                <a:pos x="T32" y="T33"/>
+              </a:cxn>
+              <a:cxn ang="0">
+                <a:pos x="T34" y="T35"/>
+              </a:cxn>
+            </a:cxnLst>
+            <a:rect l="0" t="0" r="r" b="b"/>
+            <a:pathLst>
+              <a:path w="636" h="423">
+                <a:moveTo>
+                  <a:pt x="528" y="371"/>
+                </a:moveTo>
+                <a:cubicBezTo>
+                  <a:pt x="559" y="371"/>
+                  <a:pt x="584" y="346"/>
+                  <a:pt x="584" y="315"/>
+                </a:cubicBezTo>
+                <a:lnTo>
+                  <a:pt x="584" y="51"/>
+                </a:lnTo>
+                <a:cubicBezTo>
+                  <a:pt x="584" y="21"/>
+                  <a:pt x="559" y="0"/>
+                  <a:pt x="528" y="0"/>
+                </a:cubicBezTo>
+                <a:lnTo>
+                  <a:pt x="107" y="0"/>
+                </a:lnTo>
+                <a:cubicBezTo>
+                  <a:pt x="76" y="0"/>
+                  <a:pt x="51" y="21"/>
+                  <a:pt x="51" y="51"/>
+                </a:cubicBezTo>
+                <a:lnTo>
+                  <a:pt x="51" y="315"/>
+                </a:lnTo>
+                <a:cubicBezTo>
+                  <a:pt x="51" y="346"/>
+                  <a:pt x="76" y="371"/>
+                  <a:pt x="107" y="371"/>
+                </a:cubicBezTo>
+                <a:lnTo>
+                  <a:pt x="0" y="371"/>
+                </a:lnTo>
+                <a:lnTo>
+                  <a:pt x="0" y="422"/>
+                </a:lnTo>
+                <a:lnTo>
+                  <a:pt x="635" y="422"/>
+                </a:lnTo>
+                <a:lnTo>
+                  <a:pt x="635" y="371"/>
+                </a:lnTo>
+                <a:lnTo>
+                  <a:pt x="528" y="371"/>
+                </a:lnTo>
+                <a:close/>
+                <a:moveTo>
+                  <a:pt x="107" y="51"/>
+                </a:moveTo>
+                <a:lnTo>
+                  <a:pt x="528" y="51"/>
+                </a:lnTo>
+                <a:lnTo>
+                  <a:pt x="528" y="315"/>
+                </a:lnTo>
+                <a:lnTo>
+                  <a:pt x="107" y="315"/>
+                </a:lnTo>
+                <a:lnTo>
+                  <a:pt x="107" y="51"/>
+                </a:lnTo>
+                <a:close/>
+              </a:path>
+            </a:pathLst>
+          </a:custGeom>
+          <a:solidFill>
+            <a:schemeClr val="bg1"/>
+          </a:solidFill>
+          <a:ln>
+            <a:noFill/>
+          </a:ln>
+          <a:effectLst/>
+        </p:spPr>
+        <p:txBody>
+          <a:bodyPr wrap="none" anchor="ctr"/>
+          <a:lstStyle/>
+          <a:p>
+            <a:endParaRPr lang="en-US"/>
+          </a:p>
+        </p:txBody>
+      </p:sp>
+      <p:pic>
+        <p:nvPicPr>
+          <p:cNvPr id="18" name="Image 17">
+            <a:extLst>
+              <a:ext uri="{FF2B5EF4-FFF2-40B4-BE49-F238E27FC236}">
+                <a16:creationId xmlns:a16="http://schemas.microsoft.com/office/drawing/2014/main" id="{608BAC74-BFEC-4379-87DD-5ADD60EE5DBD}"/>
+              </a:ext>
+            </a:extLst>
+          </p:cNvPr>
+          <p:cNvPicPr>
+            <a:picLocks noChangeAspect="1"/>
+          </p:cNvPicPr>
+          <p:nvPr/>
+        </p:nvPicPr>
+        <p:blipFill>
+          <a:blip r:embed="rId6" cstate="print">
+            <a:extLst>
+              <a:ext uri="{28A0092B-C50C-407E-A947-70E740481C1C}">
+                <a14:useLocalDpi xmlns:a14="http://schemas.microsoft.com/office/drawing/2010/main" val="0"/>
+              </a:ext>
+            </a:extLst>
+          </a:blip>
+          <a:stretch>
+            <a:fillRect/>
+          </a:stretch>
+        </p:blipFill>
+        <p:spPr>
+          <a:xfrm>
+            <a:off x="8121779" y="3661379"/>
+            <a:ext cx="3459442" cy="2371448"/>
+          </a:xfrm>
+          <a:prstGeom prst="rect">
+            <a:avLst/>
+          </a:prstGeom>
+        </p:spPr>
+      </p:pic>
+    </p:spTree>
+    <p:extLst>
+      <p:ext uri="{BB962C8B-B14F-4D97-AF65-F5344CB8AC3E}">
+        <p14:creationId xmlns:p14="http://schemas.microsoft.com/office/powerpoint/2010/main" val="1206479371"/>
+      </p:ext>
+    </p:extLst>
+  </p:cSld>
+  <p:clrMapOvr>
+    <a:masterClrMapping/>
+  </p:clrMapOvr>
+  <p:transition spd="slow">
+    <p:push dir="u"/>
+  </p:transition>
+</p:sld>
+</file>
+
+<file path=ppt/slides/slide11.xml><?xml version="1.0" encoding="utf-8"?>
+<p:sld xmlns:a="http://schemas.openxmlformats.org/drawingml/2006/main" xmlns:r="http://schemas.openxmlformats.org/officeDocument/2006/relationships" xmlns:p="http://schemas.openxmlformats.org/presentationml/2006/main">
+  <p:cSld>
+    <p:spTree>
+      <p:nvGrpSpPr>
+        <p:cNvPr id="1" name=""/>
+        <p:cNvGrpSpPr/>
+        <p:nvPr/>
+      </p:nvGrpSpPr>
+      <p:grpSpPr>
+        <a:xfrm>
+          <a:off x="0" y="0"/>
+          <a:ext cx="0" cy="0"/>
+          <a:chOff x="0" y="0"/>
+          <a:chExt cx="0" cy="0"/>
+        </a:xfrm>
+      </p:grpSpPr>
+      <p:sp>
+        <p:nvSpPr>
+          <p:cNvPr id="20" name="Freeform 19"/>
+          <p:cNvSpPr/>
+          <p:nvPr/>
+        </p:nvSpPr>
+        <p:spPr>
+          <a:xfrm>
+            <a:off x="7532207" y="0"/>
+            <a:ext cx="4659793" cy="6858000"/>
+          </a:xfrm>
+          <a:custGeom>
+            <a:avLst/>
+            <a:gdLst>
+              <a:gd name="connsiteX0" fmla="*/ 0 w 4659793"/>
+              <a:gd name="connsiteY0" fmla="*/ 0 h 6858000"/>
+              <a:gd name="connsiteX1" fmla="*/ 4659793 w 4659793"/>
+              <a:gd name="connsiteY1" fmla="*/ 0 h 6858000"/>
+              <a:gd name="connsiteX2" fmla="*/ 4659793 w 4659793"/>
+              <a:gd name="connsiteY2" fmla="*/ 6858000 h 6858000"/>
+              <a:gd name="connsiteX3" fmla="*/ 0 w 4659793"/>
+              <a:gd name="connsiteY3" fmla="*/ 6858000 h 6858000"/>
+            </a:gdLst>
+            <a:ahLst/>
+            <a:cxnLst>
+              <a:cxn ang="0">
+                <a:pos x="connsiteX0" y="connsiteY0"/>
+              </a:cxn>
+              <a:cxn ang="0">
+                <a:pos x="connsiteX1" y="connsiteY1"/>
+              </a:cxn>
+              <a:cxn ang="0">
+                <a:pos x="connsiteX2" y="connsiteY2"/>
+              </a:cxn>
+              <a:cxn ang="0">
+                <a:pos x="connsiteX3" y="connsiteY3"/>
+              </a:cxn>
+            </a:cxnLst>
+            <a:rect l="l" t="t" r="r" b="b"/>
+            <a:pathLst>
+              <a:path w="4659793" h="6858000">
+                <a:moveTo>
+                  <a:pt x="0" y="0"/>
+                </a:moveTo>
+                <a:lnTo>
+                  <a:pt x="4659793" y="0"/>
+                </a:lnTo>
+                <a:lnTo>
+                  <a:pt x="4659793" y="6858000"/>
+                </a:lnTo>
+                <a:lnTo>
+                  <a:pt x="0" y="6858000"/>
+                </a:lnTo>
+                <a:close/>
+              </a:path>
+            </a:pathLst>
+          </a:custGeom>
+          <a:solidFill>
+            <a:schemeClr val="accent5">
+              <a:lumMod val="60000"/>
+              <a:lumOff val="40000"/>
+            </a:schemeClr>
+          </a:solidFill>
+          <a:ln>
+            <a:noFill/>
+          </a:ln>
+          <a:effectLst>
+            <a:outerShdw blurRad="50800" dist="25400" algn="t" rotWithShape="0">
+              <a:prstClr val="black">
+                <a:alpha val="30000"/>
+              </a:prstClr>
+            </a:outerShdw>
+            <a:softEdge rad="0"/>
+          </a:effectLst>
+        </p:spPr>
+        <p:style>
+          <a:lnRef idx="2">
+            <a:schemeClr val="accent1">
+              <a:shade val="50000"/>
+            </a:schemeClr>
+          </a:lnRef>
+          <a:fillRef idx="1">
+            <a:schemeClr val="accent1"/>
+          </a:fillRef>
+          <a:effectRef idx="0">
+            <a:schemeClr val="accent1"/>
+          </a:effectRef>
+          <a:fontRef idx="minor">
+            <a:schemeClr val="lt1"/>
+          </a:fontRef>
+        </p:style>
+        <p:txBody>
+          <a:bodyPr rtlCol="0" anchor="ctr"/>
+          <a:lstStyle/>
+          <a:p>
+            <a:pPr algn="ctr"/>
+            <a:endParaRPr lang="en-US"/>
+          </a:p>
+        </p:txBody>
+      </p:sp>
+      <p:sp>
+        <p:nvSpPr>
+          <p:cNvPr id="22" name="Freeform 21"/>
+          <p:cNvSpPr/>
+          <p:nvPr/>
+        </p:nvSpPr>
+        <p:spPr>
+          <a:xfrm>
+            <a:off x="6064369" y="0"/>
+            <a:ext cx="6127631" cy="6858000"/>
+          </a:xfrm>
+          <a:custGeom>
+            <a:avLst/>
+            <a:gdLst>
+              <a:gd name="connsiteX0" fmla="*/ 0 w 6127631"/>
+              <a:gd name="connsiteY0" fmla="*/ 0 h 6858000"/>
+              <a:gd name="connsiteX1" fmla="*/ 5042155 w 6127631"/>
+              <a:gd name="connsiteY1" fmla="*/ 0 h 6858000"/>
+              <a:gd name="connsiteX2" fmla="*/ 6127631 w 6127631"/>
+              <a:gd name="connsiteY2" fmla="*/ 1625159 h 6858000"/>
+              <a:gd name="connsiteX3" fmla="*/ 6127631 w 6127631"/>
+              <a:gd name="connsiteY3" fmla="*/ 5232842 h 6858000"/>
+              <a:gd name="connsiteX4" fmla="*/ 5042155 w 6127631"/>
+              <a:gd name="connsiteY4" fmla="*/ 6858000 h 6858000"/>
+              <a:gd name="connsiteX5" fmla="*/ 0 w 6127631"/>
+              <a:gd name="connsiteY5" fmla="*/ 6858000 h 6858000"/>
+            </a:gdLst>
+            <a:ahLst/>
+            <a:cxnLst>
+              <a:cxn ang="0">
+                <a:pos x="connsiteX0" y="connsiteY0"/>
+              </a:cxn>
+              <a:cxn ang="0">
+                <a:pos x="connsiteX1" y="connsiteY1"/>
+              </a:cxn>
+              <a:cxn ang="0">
+                <a:pos x="connsiteX2" y="connsiteY2"/>
+              </a:cxn>
+              <a:cxn ang="0">
+                <a:pos x="connsiteX3" y="connsiteY3"/>
+              </a:cxn>
+              <a:cxn ang="0">
+                <a:pos x="connsiteX4" y="connsiteY4"/>
+              </a:cxn>
+              <a:cxn ang="0">
+                <a:pos x="connsiteX5" y="connsiteY5"/>
+              </a:cxn>
+            </a:cxnLst>
+            <a:rect l="l" t="t" r="r" b="b"/>
+            <a:pathLst>
+              <a:path w="6127631" h="6858000">
+                <a:moveTo>
+                  <a:pt x="0" y="0"/>
+                </a:moveTo>
+                <a:lnTo>
+                  <a:pt x="5042155" y="0"/>
+                </a:lnTo>
+                <a:lnTo>
+                  <a:pt x="6127631" y="1625159"/>
+                </a:lnTo>
+                <a:lnTo>
+                  <a:pt x="6127631" y="5232842"/>
+                </a:lnTo>
+                <a:lnTo>
+                  <a:pt x="5042155" y="6858000"/>
+                </a:lnTo>
+                <a:lnTo>
+                  <a:pt x="0" y="6858000"/>
+                </a:lnTo>
+                <a:close/>
+              </a:path>
+            </a:pathLst>
+          </a:custGeom>
+          <a:solidFill>
+            <a:schemeClr val="accent5"/>
+          </a:solidFill>
+          <a:ln>
+            <a:noFill/>
+          </a:ln>
+          <a:effectLst>
+            <a:outerShdw blurRad="50800" dist="25400" algn="t" rotWithShape="0">
+              <a:prstClr val="black">
+                <a:alpha val="30000"/>
+              </a:prstClr>
+            </a:outerShdw>
+            <a:softEdge rad="0"/>
+          </a:effectLst>
+        </p:spPr>
+        <p:style>
+          <a:lnRef idx="2">
+            <a:schemeClr val="accent1">
+              <a:shade val="50000"/>
+            </a:schemeClr>
+          </a:lnRef>
+          <a:fillRef idx="1">
+            <a:schemeClr val="accent1"/>
+          </a:fillRef>
+          <a:effectRef idx="0">
+            <a:schemeClr val="accent1"/>
+          </a:effectRef>
+          <a:fontRef idx="minor">
+            <a:schemeClr val="lt1"/>
+          </a:fontRef>
+        </p:style>
+        <p:txBody>
+          <a:bodyPr rtlCol="0" anchor="ctr"/>
+          <a:lstStyle/>
+          <a:p>
+            <a:pPr algn="ctr"/>
+            <a:endParaRPr lang="en-US"/>
+          </a:p>
+        </p:txBody>
+      </p:sp>
+      <p:sp>
+        <p:nvSpPr>
+          <p:cNvPr id="14" name="Pentagon 13"/>
+          <p:cNvSpPr/>
+          <p:nvPr/>
+        </p:nvSpPr>
+        <p:spPr>
+          <a:xfrm>
+            <a:off x="3696872" y="0"/>
+            <a:ext cx="7332453" cy="6858000"/>
+          </a:xfrm>
+          <a:prstGeom prst="homePlate">
+            <a:avLst>
+              <a:gd name="adj" fmla="val 33396"/>
+            </a:avLst>
+          </a:prstGeom>
+          <a:solidFill>
+            <a:schemeClr val="accent4"/>
+          </a:solidFill>
+          <a:ln>
+            <a:noFill/>
+          </a:ln>
+          <a:effectLst>
+            <a:outerShdw blurRad="50800" dist="25400" algn="t" rotWithShape="0">
+              <a:prstClr val="black">
+                <a:alpha val="30000"/>
+              </a:prstClr>
+            </a:outerShdw>
+            <a:softEdge rad="0"/>
+          </a:effectLst>
+        </p:spPr>
+        <p:style>
+          <a:lnRef idx="2">
+            <a:schemeClr val="accent1">
+              <a:shade val="50000"/>
+            </a:schemeClr>
+          </a:lnRef>
+          <a:fillRef idx="1">
+            <a:schemeClr val="accent1"/>
+          </a:fillRef>
+          <a:effectRef idx="0">
+            <a:schemeClr val="accent1"/>
+          </a:effectRef>
+          <a:fontRef idx="minor">
+            <a:schemeClr val="lt1"/>
+          </a:fontRef>
+        </p:style>
+        <p:txBody>
+          <a:bodyPr rtlCol="0" anchor="ctr"/>
+          <a:lstStyle/>
+          <a:p>
+            <a:pPr algn="ctr"/>
+            <a:endParaRPr lang="en-US"/>
+          </a:p>
+        </p:txBody>
+      </p:sp>
+      <p:sp>
+        <p:nvSpPr>
+          <p:cNvPr id="15" name="Pentagon 14"/>
+          <p:cNvSpPr/>
+          <p:nvPr/>
+        </p:nvSpPr>
+        <p:spPr>
+          <a:xfrm>
+            <a:off x="1930303" y="0"/>
+            <a:ext cx="7332453" cy="6858000"/>
+          </a:xfrm>
+          <a:prstGeom prst="homePlate">
+            <a:avLst>
+              <a:gd name="adj" fmla="val 33396"/>
+            </a:avLst>
+          </a:prstGeom>
+          <a:solidFill>
+            <a:schemeClr val="accent2"/>
+          </a:solidFill>
+          <a:ln>
+            <a:noFill/>
+          </a:ln>
+          <a:effectLst>
+            <a:outerShdw blurRad="50800" dist="25400" algn="t" rotWithShape="0">
+              <a:prstClr val="black">
+                <a:alpha val="30000"/>
+              </a:prstClr>
+            </a:outerShdw>
+            <a:softEdge rad="0"/>
+          </a:effectLst>
+        </p:spPr>
+        <p:style>
+          <a:lnRef idx="2">
+            <a:schemeClr val="accent1">
+              <a:shade val="50000"/>
+            </a:schemeClr>
+          </a:lnRef>
+          <a:fillRef idx="1">
+            <a:schemeClr val="accent1"/>
+          </a:fillRef>
+          <a:effectRef idx="0">
+            <a:schemeClr val="accent1"/>
+          </a:effectRef>
+          <a:fontRef idx="minor">
+            <a:schemeClr val="lt1"/>
+          </a:fontRef>
+        </p:style>
+        <p:txBody>
+          <a:bodyPr rtlCol="0" anchor="ctr"/>
+          <a:lstStyle/>
+          <a:p>
+            <a:pPr algn="ctr"/>
+            <a:endParaRPr lang="en-US"/>
+          </a:p>
+        </p:txBody>
+      </p:sp>
+      <p:sp>
+        <p:nvSpPr>
+          <p:cNvPr id="13" name="Pentagon 12"/>
+          <p:cNvSpPr/>
+          <p:nvPr/>
+        </p:nvSpPr>
+        <p:spPr>
+          <a:xfrm>
+            <a:off x="631574" y="0"/>
+            <a:ext cx="7332453" cy="6858000"/>
+          </a:xfrm>
+          <a:prstGeom prst="homePlate">
+            <a:avLst>
+              <a:gd name="adj" fmla="val 33396"/>
+            </a:avLst>
+          </a:prstGeom>
+          <a:solidFill>
+            <a:srgbClr val="76B900"/>
+          </a:solidFill>
+          <a:ln>
+            <a:solidFill>
+              <a:srgbClr val="76B900"/>
+            </a:solidFill>
+          </a:ln>
+          <a:effectLst>
+            <a:outerShdw blurRad="50800" dist="25400" algn="t" rotWithShape="0">
+              <a:prstClr val="black">
+                <a:alpha val="30000"/>
+              </a:prstClr>
+            </a:outerShdw>
+            <a:softEdge rad="0"/>
+          </a:effectLst>
+        </p:spPr>
+        <p:style>
+          <a:lnRef idx="2">
+            <a:schemeClr val="accent1">
+              <a:shade val="50000"/>
+            </a:schemeClr>
+          </a:lnRef>
+          <a:fillRef idx="1">
+            <a:schemeClr val="accent1"/>
+          </a:fillRef>
+          <a:effectRef idx="0">
+            <a:schemeClr val="accent1"/>
+          </a:effectRef>
+          <a:fontRef idx="minor">
+            <a:schemeClr val="lt1"/>
+          </a:fontRef>
+        </p:style>
+        <p:txBody>
+          <a:bodyPr rtlCol="0" anchor="ctr"/>
+          <a:lstStyle/>
+          <a:p>
+            <a:pPr algn="ctr"/>
+            <a:endParaRPr lang="en-US" dirty="0"/>
+          </a:p>
+        </p:txBody>
+      </p:sp>
+      <p:sp>
+        <p:nvSpPr>
+          <p:cNvPr id="12" name="Pentagon 11"/>
+          <p:cNvSpPr/>
+          <p:nvPr/>
+        </p:nvSpPr>
+        <p:spPr>
+          <a:xfrm>
+            <a:off x="303770" y="0"/>
+            <a:ext cx="7332453" cy="6858000"/>
+          </a:xfrm>
+          <a:prstGeom prst="homePlate">
+            <a:avLst>
+              <a:gd name="adj" fmla="val 33396"/>
+            </a:avLst>
+          </a:prstGeom>
+          <a:solidFill>
+            <a:schemeClr val="tx2"/>
+          </a:solidFill>
+          <a:ln>
+            <a:noFill/>
+          </a:ln>
+          <a:effectLst>
+            <a:outerShdw blurRad="50800" dist="25400" algn="t" rotWithShape="0">
+              <a:prstClr val="black">
+                <a:alpha val="30000"/>
+              </a:prstClr>
+            </a:outerShdw>
+            <a:softEdge rad="0"/>
+          </a:effectLst>
+        </p:spPr>
+        <p:style>
+          <a:lnRef idx="2">
+            <a:schemeClr val="accent1">
+              <a:shade val="50000"/>
+            </a:schemeClr>
+          </a:lnRef>
+          <a:fillRef idx="1">
+            <a:schemeClr val="accent1"/>
+          </a:fillRef>
+          <a:effectRef idx="0">
+            <a:schemeClr val="accent1"/>
+          </a:effectRef>
+          <a:fontRef idx="minor">
+            <a:schemeClr val="lt1"/>
+          </a:fontRef>
+        </p:style>
+        <p:txBody>
+          <a:bodyPr rtlCol="0" anchor="ctr"/>
+          <a:lstStyle/>
+          <a:p>
+            <a:pPr algn="ctr"/>
+            <a:endParaRPr lang="en-US"/>
+          </a:p>
+        </p:txBody>
+      </p:sp>
+      <p:sp>
+        <p:nvSpPr>
+          <p:cNvPr id="2" name="Pentagon 1"/>
+          <p:cNvSpPr/>
+          <p:nvPr/>
+        </p:nvSpPr>
+        <p:spPr>
+          <a:xfrm>
+            <a:off x="-524063" y="0"/>
+            <a:ext cx="7332453" cy="6858000"/>
+          </a:xfrm>
+          <a:prstGeom prst="homePlate">
+            <a:avLst>
+              <a:gd name="adj" fmla="val 33396"/>
+            </a:avLst>
+          </a:prstGeom>
+          <a:solidFill>
+            <a:schemeClr val="accent2"/>
+          </a:solidFill>
+          <a:ln>
+            <a:noFill/>
+          </a:ln>
+          <a:effectLst>
+            <a:outerShdw blurRad="50800" dist="25400" algn="t" rotWithShape="0">
+              <a:prstClr val="black">
+                <a:alpha val="30000"/>
+              </a:prstClr>
+            </a:outerShdw>
+            <a:softEdge rad="0"/>
+          </a:effectLst>
+        </p:spPr>
+        <p:style>
+          <a:lnRef idx="2">
+            <a:schemeClr val="accent1">
+              <a:shade val="50000"/>
+            </a:schemeClr>
+          </a:lnRef>
+          <a:fillRef idx="1">
+            <a:schemeClr val="accent1"/>
+          </a:fillRef>
+          <a:effectRef idx="0">
+            <a:schemeClr val="accent1"/>
+          </a:effectRef>
+          <a:fontRef idx="minor">
+            <a:schemeClr val="lt1"/>
+          </a:fontRef>
+        </p:style>
+        <p:txBody>
+          <a:bodyPr rtlCol="0" anchor="ctr"/>
+          <a:lstStyle/>
+          <a:p>
+            <a:pPr algn="ctr"/>
+            <a:endParaRPr lang="en-US"/>
+          </a:p>
+        </p:txBody>
+      </p:sp>
+      <p:sp>
+        <p:nvSpPr>
+          <p:cNvPr id="42" name="Rectangle 41"/>
+          <p:cNvSpPr/>
+          <p:nvPr/>
+        </p:nvSpPr>
+        <p:spPr>
+          <a:xfrm>
+            <a:off x="839077" y="2689571"/>
+            <a:ext cx="6026953" cy="865173"/>
+          </a:xfrm>
+          <a:prstGeom prst="rect">
+            <a:avLst/>
+          </a:prstGeom>
+        </p:spPr>
+        <p:txBody>
+          <a:bodyPr wrap="square">
+            <a:spAutoFit/>
+          </a:bodyPr>
+          <a:lstStyle/>
+          <a:p>
+            <a:pPr>
+              <a:lnSpc>
+                <a:spcPct val="140000"/>
+              </a:lnSpc>
+            </a:pPr>
+            <a:r>
+              <a:rPr lang="en-US" sz="4000" dirty="0">
+                <a:solidFill>
+                  <a:schemeClr val="bg1"/>
+                </a:solidFill>
+                <a:latin typeface="Roboto Light" charset="0"/>
+                <a:ea typeface="Roboto Light" charset="0"/>
+                <a:cs typeface="Roboto Light" charset="0"/>
+              </a:rPr>
+              <a:t>TRAITEMENT IMAGES</a:t>
+            </a:r>
+          </a:p>
+        </p:txBody>
+      </p:sp>
+      <p:sp>
+        <p:nvSpPr>
+          <p:cNvPr id="43" name="Rectangle 42"/>
+          <p:cNvSpPr/>
+          <p:nvPr/>
+        </p:nvSpPr>
+        <p:spPr>
+          <a:xfrm>
+            <a:off x="839077" y="3681559"/>
+            <a:ext cx="6026953" cy="461665"/>
+          </a:xfrm>
+          <a:prstGeom prst="rect">
+            <a:avLst/>
+          </a:prstGeom>
+        </p:spPr>
+        <p:txBody>
+          <a:bodyPr wrap="square">
+            <a:spAutoFit/>
+          </a:bodyPr>
+          <a:lstStyle/>
+          <a:p>
+            <a:r>
+              <a:rPr lang="en-US" sz="2400" dirty="0">
+                <a:solidFill>
+                  <a:schemeClr val="bg1"/>
+                </a:solidFill>
+                <a:latin typeface="Roboto Thin" charset="0"/>
+                <a:ea typeface="Roboto Thin" charset="0"/>
+                <a:cs typeface="Roboto Thin" charset="0"/>
+              </a:rPr>
+              <a:t>Module OPEN-CV + </a:t>
+            </a:r>
+            <a:r>
+              <a:rPr lang="en-US" sz="2400" dirty="0" err="1">
+                <a:solidFill>
+                  <a:schemeClr val="bg1"/>
+                </a:solidFill>
+                <a:latin typeface="Roboto Thin" charset="0"/>
+                <a:ea typeface="Roboto Thin" charset="0"/>
+                <a:cs typeface="Roboto Thin" charset="0"/>
+              </a:rPr>
+              <a:t>Simulateur</a:t>
+            </a:r>
+            <a:endParaRPr lang="en-US" sz="2400" dirty="0">
+              <a:solidFill>
+                <a:schemeClr val="bg1"/>
+              </a:solidFill>
+              <a:latin typeface="Roboto Thin" charset="0"/>
+              <a:ea typeface="Roboto Thin" charset="0"/>
+              <a:cs typeface="Roboto Thin" charset="0"/>
+            </a:endParaRPr>
+          </a:p>
+        </p:txBody>
+      </p:sp>
+    </p:spTree>
+    <p:extLst>
+      <p:ext uri="{BB962C8B-B14F-4D97-AF65-F5344CB8AC3E}">
+        <p14:creationId xmlns:p14="http://schemas.microsoft.com/office/powerpoint/2010/main" val="1438537945"/>
+      </p:ext>
+    </p:extLst>
+  </p:cSld>
+  <p:clrMapOvr>
+    <a:masterClrMapping/>
+  </p:clrMapOvr>
+  <p:transition spd="slow">
+    <p:push dir="u"/>
+  </p:transition>
+</p:sld>
+</file>
+
+<file path=ppt/slides/slide12.xml><?xml version="1.0" encoding="utf-8"?>
+<p:sld xmlns:a="http://schemas.openxmlformats.org/drawingml/2006/main" xmlns:r="http://schemas.openxmlformats.org/officeDocument/2006/relationships" xmlns:p="http://schemas.openxmlformats.org/presentationml/2006/main">
+  <p:cSld>
+    <p:spTree>
+      <p:nvGrpSpPr>
+        <p:cNvPr id="1" name=""/>
+        <p:cNvGrpSpPr/>
+        <p:nvPr/>
+      </p:nvGrpSpPr>
+      <p:grpSpPr>
+        <a:xfrm>
+          <a:off x="0" y="0"/>
+          <a:ext cx="0" cy="0"/>
+          <a:chOff x="0" y="0"/>
+          <a:chExt cx="0" cy="0"/>
+        </a:xfrm>
+      </p:grpSpPr>
+      <p:sp>
+        <p:nvSpPr>
+          <p:cNvPr id="3" name="Title 2"/>
+          <p:cNvSpPr>
+            <a:spLocks noGrp="1"/>
+          </p:cNvSpPr>
+          <p:nvPr>
+            <p:ph type="title"/>
+          </p:nvPr>
+        </p:nvSpPr>
+        <p:spPr/>
+        <p:txBody>
+          <a:bodyPr/>
+          <a:lstStyle/>
+          <a:p>
+            <a:r>
+              <a:rPr lang="en-US" dirty="0"/>
+              <a:t>TRAITEMENT D’IMAGES</a:t>
+            </a:r>
+          </a:p>
+        </p:txBody>
+      </p:sp>
+      <p:sp>
+        <p:nvSpPr>
+          <p:cNvPr id="4" name="Slide Number Placeholder 3"/>
+          <p:cNvSpPr>
+            <a:spLocks noGrp="1"/>
+          </p:cNvSpPr>
+          <p:nvPr>
+            <p:ph type="sldNum" sz="quarter" idx="4"/>
+          </p:nvPr>
+        </p:nvSpPr>
+        <p:spPr>
+          <a:xfrm>
+            <a:off x="10919018" y="1346518"/>
+            <a:ext cx="725296" cy="365125"/>
+          </a:xfrm>
+        </p:spPr>
+        <p:txBody>
+          <a:bodyPr/>
+          <a:lstStyle/>
+          <a:p>
             <a:fld id="{D60D1EDE-7116-2443-9BDD-368CE5B37660}" type="slidenum">
               <a:rPr lang="en-US" smtClean="0"/>
               <a:pPr/>
-              <a:t>10</a:t>
+              <a:t>12</a:t>
             </a:fld>
             <a:endParaRPr lang="en-US" dirty="0"/>
           </a:p>
@@ -6648,6 +8216,41 @@
           </a:ln>
         </p:spPr>
       </p:pic>
+      <p:pic>
+        <p:nvPicPr>
+          <p:cNvPr id="7" name="Image 6">
+            <a:extLst>
+              <a:ext uri="{FF2B5EF4-FFF2-40B4-BE49-F238E27FC236}">
+                <a16:creationId xmlns:a16="http://schemas.microsoft.com/office/drawing/2014/main" id="{3F96E30C-29CB-4DC0-8C3C-B800C0830470}"/>
+              </a:ext>
+            </a:extLst>
+          </p:cNvPr>
+          <p:cNvPicPr>
+            <a:picLocks noChangeAspect="1"/>
+          </p:cNvPicPr>
+          <p:nvPr/>
+        </p:nvPicPr>
+        <p:blipFill rotWithShape="1">
+          <a:blip r:embed="rId5" cstate="print">
+            <a:extLst>
+              <a:ext uri="{28A0092B-C50C-407E-A947-70E740481C1C}">
+                <a14:useLocalDpi xmlns:a14="http://schemas.microsoft.com/office/drawing/2010/main" val="0"/>
+              </a:ext>
+            </a:extLst>
+          </a:blip>
+          <a:srcRect r="1398"/>
+          <a:stretch/>
+        </p:blipFill>
+        <p:spPr>
+          <a:xfrm>
+            <a:off x="8923904" y="4400790"/>
+            <a:ext cx="2833458" cy="1436825"/>
+          </a:xfrm>
+          <a:prstGeom prst="rect">
+            <a:avLst/>
+          </a:prstGeom>
+        </p:spPr>
+      </p:pic>
     </p:spTree>
     <p:extLst>
       <p:ext uri="{BB962C8B-B14F-4D97-AF65-F5344CB8AC3E}">
@@ -6664,7 +8267,7 @@
 </p:sld>
 </file>
 
-<file path=ppt/slides/slide11.xml><?xml version="1.0" encoding="utf-8"?>
+<file path=ppt/slides/slide13.xml><?xml version="1.0" encoding="utf-8"?>
 <p:sld xmlns:a="http://schemas.openxmlformats.org/drawingml/2006/main" xmlns:r="http://schemas.openxmlformats.org/officeDocument/2006/relationships" xmlns:p="http://schemas.openxmlformats.org/presentationml/2006/main">
   <p:cSld>
     <p:spTree>
@@ -6698,7 +8301,7 @@
           <a:p>
             <a:r>
               <a:rPr lang="en-US" dirty="0"/>
-              <a:t>UAE Map</a:t>
+              <a:t>TRAITEMENT D’IMAGES</a:t>
             </a:r>
           </a:p>
         </p:txBody>
@@ -6713,15 +8316,134 @@
             <p:ph type="sldNum" sz="quarter" idx="4"/>
           </p:nvPr>
         </p:nvSpPr>
+        <p:spPr>
+          <a:xfrm>
+            <a:off x="10919018" y="1346518"/>
+            <a:ext cx="725296" cy="365125"/>
+          </a:xfrm>
+        </p:spPr>
+        <p:txBody>
+          <a:bodyPr/>
+          <a:lstStyle/>
+          <a:p>
+            <a:fld id="{D60D1EDE-7116-2443-9BDD-368CE5B37660}" type="slidenum">
+              <a:rPr lang="en-US" smtClean="0"/>
+              <a:pPr/>
+              <a:t>13</a:t>
+            </a:fld>
+            <a:endParaRPr lang="en-US" dirty="0"/>
+          </a:p>
+        </p:txBody>
+      </p:sp>
+      <p:pic>
+        <p:nvPicPr>
+          <p:cNvPr id="19" name="Image 18">
+            <a:extLst>
+              <a:ext uri="{FF2B5EF4-FFF2-40B4-BE49-F238E27FC236}">
+                <a16:creationId xmlns:a16="http://schemas.microsoft.com/office/drawing/2014/main" id="{109FE95A-415A-4EF6-A77D-743C3A42D2B0}"/>
+              </a:ext>
+            </a:extLst>
+          </p:cNvPr>
+          <p:cNvPicPr>
+            <a:picLocks noChangeAspect="1"/>
+          </p:cNvPicPr>
+          <p:nvPr/>
+        </p:nvPicPr>
+        <p:blipFill rotWithShape="1">
+          <a:blip r:embed="rId3" cstate="print">
+            <a:extLst>
+              <a:ext uri="{28A0092B-C50C-407E-A947-70E740481C1C}">
+                <a14:useLocalDpi xmlns:a14="http://schemas.microsoft.com/office/drawing/2010/main" val="0"/>
+              </a:ext>
+            </a:extLst>
+          </a:blip>
+          <a:srcRect r="1398"/>
+          <a:stretch/>
+        </p:blipFill>
+        <p:spPr>
+          <a:xfrm>
+            <a:off x="971149" y="1711643"/>
+            <a:ext cx="9967965" cy="5054679"/>
+          </a:xfrm>
+          <a:prstGeom prst="rect">
+            <a:avLst/>
+          </a:prstGeom>
+        </p:spPr>
+      </p:pic>
+    </p:spTree>
+    <p:extLst>
+      <p:ext uri="{BB962C8B-B14F-4D97-AF65-F5344CB8AC3E}">
+        <p14:creationId xmlns:p14="http://schemas.microsoft.com/office/powerpoint/2010/main" val="3061611757"/>
+      </p:ext>
+    </p:extLst>
+  </p:cSld>
+  <p:clrMapOvr>
+    <a:masterClrMapping/>
+  </p:clrMapOvr>
+  <p:transition spd="slow">
+    <p:push dir="u"/>
+  </p:transition>
+</p:sld>
+</file>
+
+<file path=ppt/slides/slide14.xml><?xml version="1.0" encoding="utf-8"?>
+<p:sld xmlns:a="http://schemas.openxmlformats.org/drawingml/2006/main" xmlns:r="http://schemas.openxmlformats.org/officeDocument/2006/relationships" xmlns:p="http://schemas.openxmlformats.org/presentationml/2006/main">
+  <p:cSld>
+    <p:spTree>
+      <p:nvGrpSpPr>
+        <p:cNvPr id="1" name=""/>
+        <p:cNvGrpSpPr/>
+        <p:nvPr/>
+      </p:nvGrpSpPr>
+      <p:grpSpPr>
+        <a:xfrm>
+          <a:off x="0" y="0"/>
+          <a:ext cx="0" cy="0"/>
+          <a:chOff x="0" y="0"/>
+          <a:chExt cx="0" cy="0"/>
+        </a:xfrm>
+      </p:grpSpPr>
+      <p:sp>
+        <p:nvSpPr>
+          <p:cNvPr id="3" name="Title 2"/>
+          <p:cNvSpPr>
+            <a:spLocks noGrp="1"/>
+          </p:cNvSpPr>
+          <p:nvPr>
+            <p:ph type="title"/>
+          </p:nvPr>
+        </p:nvSpPr>
         <p:spPr/>
         <p:txBody>
           <a:bodyPr/>
           <a:lstStyle/>
           <a:p>
+            <a:r>
+              <a:rPr lang="en-US" dirty="0"/>
+              <a:t>UAE Map</a:t>
+            </a:r>
+          </a:p>
+        </p:txBody>
+      </p:sp>
+      <p:sp>
+        <p:nvSpPr>
+          <p:cNvPr id="4" name="Slide Number Placeholder 3"/>
+          <p:cNvSpPr>
+            <a:spLocks noGrp="1"/>
+          </p:cNvSpPr>
+          <p:nvPr>
+            <p:ph type="sldNum" sz="quarter" idx="4"/>
+          </p:nvPr>
+        </p:nvSpPr>
+        <p:spPr/>
+        <p:txBody>
+          <a:bodyPr/>
+          <a:lstStyle/>
+          <a:p>
             <a:fld id="{D60D1EDE-7116-2443-9BDD-368CE5B37660}" type="slidenum">
               <a:rPr lang="en-US" smtClean="0"/>
               <a:pPr/>
-              <a:t>11</a:t>
+              <a:t>14</a:t>
             </a:fld>
             <a:endParaRPr lang="en-US" dirty="0"/>
           </a:p>
@@ -9048,7 +10770,7 @@
 </p:sld>
 </file>
 
-<file path=ppt/slides/slide12.xml><?xml version="1.0" encoding="utf-8"?>
+<file path=ppt/slides/slide15.xml><?xml version="1.0" encoding="utf-8"?>
 <p:sld xmlns:a="http://schemas.openxmlformats.org/drawingml/2006/main" xmlns:r="http://schemas.openxmlformats.org/officeDocument/2006/relationships" xmlns:p="http://schemas.openxmlformats.org/presentationml/2006/main">
   <p:cSld>
     <p:spTree>
@@ -10816,7 +12538,7 @@
             <a:fld id="{936C95AE-7298-45E1-9514-94AFF5BED89B}" type="slidenum">
               <a:rPr lang="en-US" smtClean="0"/>
               <a:pPr/>
-              <a:t>12</a:t>
+              <a:t>15</a:t>
             </a:fld>
             <a:endParaRPr lang="en-US" dirty="0"/>
           </a:p>
@@ -10838,7 +12560,7 @@
 </p:sld>
 </file>
 
-<file path=ppt/slides/slide13.xml><?xml version="1.0" encoding="utf-8"?>
+<file path=ppt/slides/slide16.xml><?xml version="1.0" encoding="utf-8"?>
 <p:sld xmlns:a="http://schemas.openxmlformats.org/drawingml/2006/main" xmlns:r="http://schemas.openxmlformats.org/officeDocument/2006/relationships" xmlns:p="http://schemas.openxmlformats.org/presentationml/2006/main">
   <p:cSld>
     <p:spTree>
@@ -10904,7 +12626,7 @@
                 <a:cs typeface="Roboto Light" charset="0"/>
               </a:rPr>
               <a:pPr/>
-              <a:t>13</a:t>
+              <a:t>16</a:t>
             </a:fld>
             <a:endParaRPr lang="en-US" dirty="0">
               <a:latin typeface="Roboto Light" charset="0"/>
@@ -11754,7 +13476,7 @@
 </p:sld>
 </file>
 
-<file path=ppt/slides/slide14.xml><?xml version="1.0" encoding="utf-8"?>
+<file path=ppt/slides/slide17.xml><?xml version="1.0" encoding="utf-8"?>
 <p:sld xmlns:a="http://schemas.openxmlformats.org/drawingml/2006/main" xmlns:r="http://schemas.openxmlformats.org/officeDocument/2006/relationships" xmlns:p="http://schemas.openxmlformats.org/presentationml/2006/main">
   <p:cSld>
     <p:spTree>
@@ -11810,7 +13532,7 @@
           <a:p>
             <a:fld id="{D60D1EDE-7116-2443-9BDD-368CE5B37660}" type="slidenum">
               <a:rPr lang="en-US" smtClean="0"/>
-              <a:t>14</a:t>
+              <a:t>17</a:t>
             </a:fld>
             <a:endParaRPr lang="en-US" dirty="0"/>
           </a:p>
@@ -15321,7 +17043,7 @@
 </p:sld>
 </file>
 
-<file path=ppt/slides/slide15.xml><?xml version="1.0" encoding="utf-8"?>
+<file path=ppt/slides/slide18.xml><?xml version="1.0" encoding="utf-8"?>
 <p:sld xmlns:a="http://schemas.openxmlformats.org/drawingml/2006/main" xmlns:r="http://schemas.openxmlformats.org/officeDocument/2006/relationships" xmlns:p="http://schemas.openxmlformats.org/presentationml/2006/main">
   <p:cSld>
     <p:spTree>
@@ -15836,7 +17558,7 @@
 </p:sld>
 </file>
 
-<file path=ppt/slides/slide16.xml><?xml version="1.0" encoding="utf-8"?>
+<file path=ppt/slides/slide19.xml><?xml version="1.0" encoding="utf-8"?>
 <p:sld xmlns:a="http://schemas.openxmlformats.org/drawingml/2006/main" xmlns:r="http://schemas.openxmlformats.org/officeDocument/2006/relationships" xmlns:p="http://schemas.openxmlformats.org/presentationml/2006/main">
   <p:cSld>
     <p:spTree>
@@ -16144,9 +17866,9 @@
         <p:grpSpPr>
           <a:xfrm>
             <a:off x="780001" y="2423694"/>
-            <a:ext cx="2717517" cy="3857765"/>
+            <a:ext cx="2717517" cy="3488433"/>
             <a:chOff x="736801" y="2682894"/>
-            <a:chExt cx="2717517" cy="3857765"/>
+            <a:chExt cx="2717517" cy="3488433"/>
           </a:xfrm>
         </p:grpSpPr>
         <p:sp>
@@ -16253,7 +17975,7 @@
           <p:spPr>
             <a:xfrm>
               <a:off x="736802" y="4232335"/>
-              <a:ext cx="2717516" cy="2308324"/>
+              <a:ext cx="2717516" cy="1938992"/>
             </a:xfrm>
             <a:prstGeom prst="rect">
               <a:avLst/>
@@ -16535,49 +18257,6 @@
                   <a:cs typeface="Roboto Light" charset="0"/>
                 </a:rPr>
                 <a:t>Reconnaissance Image</a:t>
-              </a:r>
-            </a:p>
-            <a:p>
-              <a:pPr marL="380990" indent="-380990">
-                <a:buClr>
-                  <a:schemeClr val="accent2"/>
-                </a:buClr>
-                <a:buFont typeface="+mj-lt"/>
-                <a:buAutoNum type="arabicPeriod"/>
-              </a:pPr>
-              <a:endParaRPr lang="en-US" sz="1200" dirty="0">
-                <a:solidFill>
-                  <a:schemeClr val="tx1">
-                    <a:lumMod val="50000"/>
-                    <a:lumOff val="50000"/>
-                  </a:schemeClr>
-                </a:solidFill>
-                <a:latin typeface="Roboto Light" charset="0"/>
-                <a:ea typeface="Roboto Light" charset="0"/>
-                <a:cs typeface="Roboto Light" charset="0"/>
-              </a:endParaRPr>
-            </a:p>
-            <a:p>
-              <a:pPr marL="380990" indent="-380990">
-                <a:buClr>
-                  <a:schemeClr val="accent2"/>
-                </a:buClr>
-                <a:buFont typeface="+mj-lt"/>
-                <a:buAutoNum type="arabicPeriod"/>
-              </a:pPr>
-              <a:r>
-                <a:rPr lang="en-US" sz="1200" dirty="0">
-                  <a:solidFill>
-                    <a:schemeClr val="tx1">
-                      <a:lumMod val="50000"/>
-                      <a:lumOff val="50000"/>
-                    </a:schemeClr>
-                  </a:solidFill>
-                  <a:latin typeface="Roboto Light" charset="0"/>
-                  <a:ea typeface="Roboto Light" charset="0"/>
-                  <a:cs typeface="Roboto Light" charset="0"/>
-                </a:rPr>
-                <a:t>Jujubes sweet roll</a:t>
               </a:r>
             </a:p>
             <a:p>
@@ -19242,7 +20921,7 @@
                 <a:ea typeface="Roboto Light" charset="0"/>
                 <a:cs typeface="Roboto Light" charset="0"/>
               </a:rPr>
-              <a:t>Installation Package</a:t>
+              <a:t>Camera JETSON</a:t>
             </a:r>
           </a:p>
         </p:txBody>
@@ -19269,7 +20948,7 @@
           <a:lstStyle/>
           <a:p>
             <a:r>
-              <a:rPr lang="en-US" sz="2400" dirty="0" err="1">
+              <a:rPr lang="en-US" sz="2400" dirty="0">
                 <a:solidFill>
                   <a:schemeClr val="bg1"/>
                 </a:solidFill>
@@ -19277,10 +20956,10 @@
                 <a:ea typeface="Roboto Thin" charset="0"/>
                 <a:cs typeface="Roboto Thin" charset="0"/>
               </a:rPr>
-              <a:t>Suppléments</a:t>
-            </a:r>
-            <a:r>
-              <a:rPr lang="en-US" sz="2400" dirty="0">
+              <a:t>SDK </a:t>
+            </a:r>
+            <a:r>
+              <a:rPr lang="en-US" sz="2400" dirty="0" err="1">
                 <a:solidFill>
                   <a:schemeClr val="bg1"/>
                 </a:solidFill>
@@ -19288,10 +20967,10 @@
                 <a:ea typeface="Roboto Thin" charset="0"/>
                 <a:cs typeface="Roboto Thin" charset="0"/>
               </a:rPr>
-              <a:t> du SDK </a:t>
-            </a:r>
-            <a:r>
-              <a:rPr lang="en-US" sz="2400" dirty="0" err="1">
+              <a:t>Tegra</a:t>
+            </a:r>
+            <a:r>
+              <a:rPr lang="en-US" sz="2400" dirty="0">
                 <a:solidFill>
                   <a:schemeClr val="bg1"/>
                 </a:solidFill>
@@ -19299,17 +20978,6 @@
                 <a:ea typeface="Roboto Thin" charset="0"/>
                 <a:cs typeface="Roboto Thin" charset="0"/>
               </a:rPr>
-              <a:t>Tegra</a:t>
-            </a:r>
-            <a:r>
-              <a:rPr lang="en-US" sz="2400" dirty="0">
-                <a:solidFill>
-                  <a:schemeClr val="bg1"/>
-                </a:solidFill>
-                <a:latin typeface="Roboto Thin" charset="0"/>
-                <a:ea typeface="Roboto Thin" charset="0"/>
-                <a:cs typeface="Roboto Thin" charset="0"/>
-              </a:rPr>
               <a:t> X2</a:t>
             </a:r>
           </a:p>
@@ -19318,7 +20986,7 @@
     </p:spTree>
     <p:extLst>
       <p:ext uri="{BB962C8B-B14F-4D97-AF65-F5344CB8AC3E}">
-        <p14:creationId xmlns:p14="http://schemas.microsoft.com/office/powerpoint/2010/main" val="2332446859"/>
+        <p14:creationId xmlns:p14="http://schemas.microsoft.com/office/powerpoint/2010/main" val="3640800242"/>
       </p:ext>
     </p:extLst>
   </p:cSld>
@@ -19358,6 +21026,59 @@
       </p:grpSpPr>
       <p:sp>
         <p:nvSpPr>
+          <p:cNvPr id="13" name="Rectangle 12"/>
+          <p:cNvSpPr/>
+          <p:nvPr/>
+        </p:nvSpPr>
+        <p:spPr>
+          <a:xfrm>
+            <a:off x="526941" y="2277035"/>
+            <a:ext cx="11117373" cy="4007648"/>
+          </a:xfrm>
+          <a:prstGeom prst="rect">
+            <a:avLst/>
+          </a:prstGeom>
+          <a:solidFill>
+            <a:schemeClr val="bg1"/>
+          </a:solidFill>
+          <a:ln>
+            <a:noFill/>
+          </a:ln>
+          <a:effectLst>
+            <a:outerShdw blurRad="38100" dist="12700" dir="5400000" algn="ctr" rotWithShape="0">
+              <a:srgbClr val="000000">
+                <a:alpha val="30000"/>
+              </a:srgbClr>
+            </a:outerShdw>
+          </a:effectLst>
+        </p:spPr>
+        <p:style>
+          <a:lnRef idx="2">
+            <a:schemeClr val="accent1">
+              <a:shade val="50000"/>
+            </a:schemeClr>
+          </a:lnRef>
+          <a:fillRef idx="1">
+            <a:schemeClr val="accent1"/>
+          </a:fillRef>
+          <a:effectRef idx="0">
+            <a:schemeClr val="accent1"/>
+          </a:effectRef>
+          <a:fontRef idx="minor">
+            <a:schemeClr val="lt1"/>
+          </a:fontRef>
+        </p:style>
+        <p:txBody>
+          <a:bodyPr rtlCol="0" anchor="ctr"/>
+          <a:lstStyle/>
+          <a:p>
+            <a:pPr algn="ctr"/>
+            <a:endParaRPr lang="en-US"/>
+          </a:p>
+        </p:txBody>
+      </p:sp>
+      <p:sp>
+        <p:nvSpPr>
           <p:cNvPr id="2" name="Title 1"/>
           <p:cNvSpPr>
             <a:spLocks noGrp="1"/>
@@ -19402,6 +21123,1096 @@
               <a:rPr lang="en-US" smtClean="0"/>
               <a:pPr/>
               <a:t>6</a:t>
+            </a:fld>
+            <a:endParaRPr lang="en-US" dirty="0"/>
+          </a:p>
+        </p:txBody>
+      </p:sp>
+      <p:sp>
+        <p:nvSpPr>
+          <p:cNvPr id="24" name="Oval 23"/>
+          <p:cNvSpPr/>
+          <p:nvPr/>
+        </p:nvSpPr>
+        <p:spPr>
+          <a:xfrm>
+            <a:off x="5704208" y="5780412"/>
+            <a:ext cx="875886" cy="875886"/>
+          </a:xfrm>
+          <a:prstGeom prst="ellipse">
+            <a:avLst/>
+          </a:prstGeom>
+          <a:solidFill>
+            <a:schemeClr val="accent3"/>
+          </a:solidFill>
+          <a:ln>
+            <a:noFill/>
+          </a:ln>
+          <a:effectLst>
+            <a:outerShdw blurRad="38100" dist="12700" dir="5400000" algn="ctr" rotWithShape="0">
+              <a:srgbClr val="000000">
+                <a:alpha val="30000"/>
+              </a:srgbClr>
+            </a:outerShdw>
+          </a:effectLst>
+        </p:spPr>
+        <p:style>
+          <a:lnRef idx="2">
+            <a:schemeClr val="accent1">
+              <a:shade val="50000"/>
+            </a:schemeClr>
+          </a:lnRef>
+          <a:fillRef idx="1">
+            <a:schemeClr val="accent1"/>
+          </a:fillRef>
+          <a:effectRef idx="0">
+            <a:schemeClr val="accent1"/>
+          </a:effectRef>
+          <a:fontRef idx="minor">
+            <a:schemeClr val="lt1"/>
+          </a:fontRef>
+        </p:style>
+        <p:txBody>
+          <a:bodyPr rtlCol="0" anchor="ctr"/>
+          <a:lstStyle/>
+          <a:p>
+            <a:pPr algn="ctr"/>
+            <a:endParaRPr lang="en-US"/>
+          </a:p>
+        </p:txBody>
+      </p:sp>
+      <p:sp>
+        <p:nvSpPr>
+          <p:cNvPr id="31" name="Rectangle 30"/>
+          <p:cNvSpPr/>
+          <p:nvPr/>
+        </p:nvSpPr>
+        <p:spPr>
+          <a:xfrm>
+            <a:off x="526941" y="2619786"/>
+            <a:ext cx="11117373" cy="568682"/>
+          </a:xfrm>
+          <a:prstGeom prst="rect">
+            <a:avLst/>
+          </a:prstGeom>
+        </p:spPr>
+        <p:txBody>
+          <a:bodyPr wrap="square">
+            <a:spAutoFit/>
+          </a:bodyPr>
+          <a:lstStyle/>
+          <a:p>
+            <a:pPr algn="ctr">
+              <a:lnSpc>
+                <a:spcPct val="120000"/>
+              </a:lnSpc>
+            </a:pPr>
+            <a:r>
+              <a:rPr lang="en-US" sz="2800" dirty="0">
+                <a:latin typeface="Roboto Light" charset="0"/>
+                <a:ea typeface="Roboto Light" charset="0"/>
+                <a:cs typeface="Roboto Light" charset="0"/>
+              </a:rPr>
+              <a:t>CAMERA</a:t>
+            </a:r>
+            <a:endParaRPr lang="en-US" sz="2400" dirty="0">
+              <a:latin typeface="Roboto Light" charset="0"/>
+              <a:ea typeface="Roboto Light" charset="0"/>
+              <a:cs typeface="Roboto Light" charset="0"/>
+            </a:endParaRPr>
+          </a:p>
+        </p:txBody>
+      </p:sp>
+      <p:pic>
+        <p:nvPicPr>
+          <p:cNvPr id="8" name="Image 7">
+            <a:extLst>
+              <a:ext uri="{FF2B5EF4-FFF2-40B4-BE49-F238E27FC236}">
+                <a16:creationId xmlns:a16="http://schemas.microsoft.com/office/drawing/2014/main" id="{788662CA-A775-4018-A371-E680CF7D7BD2}"/>
+              </a:ext>
+            </a:extLst>
+          </p:cNvPr>
+          <p:cNvPicPr>
+            <a:picLocks noChangeAspect="1"/>
+          </p:cNvPicPr>
+          <p:nvPr/>
+        </p:nvPicPr>
+        <p:blipFill>
+          <a:blip r:embed="rId3">
+            <a:extLst>
+              <a:ext uri="{28A0092B-C50C-407E-A947-70E740481C1C}">
+                <a14:useLocalDpi xmlns:a14="http://schemas.microsoft.com/office/drawing/2010/main" val="0"/>
+              </a:ext>
+            </a:extLst>
+          </a:blip>
+          <a:stretch>
+            <a:fillRect/>
+          </a:stretch>
+        </p:blipFill>
+        <p:spPr>
+          <a:xfrm>
+            <a:off x="5803939" y="5869260"/>
+            <a:ext cx="676424" cy="676424"/>
+          </a:xfrm>
+          <a:prstGeom prst="rect">
+            <a:avLst/>
+          </a:prstGeom>
+        </p:spPr>
+      </p:pic>
+      <p:sp>
+        <p:nvSpPr>
+          <p:cNvPr id="23" name="Shape 385">
+            <a:extLst>
+              <a:ext uri="{FF2B5EF4-FFF2-40B4-BE49-F238E27FC236}">
+                <a16:creationId xmlns:a16="http://schemas.microsoft.com/office/drawing/2014/main" id="{52CCD468-CAA1-4D94-B168-3C48834675F0}"/>
+              </a:ext>
+            </a:extLst>
+          </p:cNvPr>
+          <p:cNvSpPr/>
+          <p:nvPr/>
+        </p:nvSpPr>
+        <p:spPr>
+          <a:xfrm rot="5400000">
+            <a:off x="5596901" y="2940559"/>
+            <a:ext cx="1485572" cy="3450905"/>
+          </a:xfrm>
+          <a:custGeom>
+            <a:avLst/>
+            <a:gdLst/>
+            <a:ahLst/>
+            <a:cxnLst>
+              <a:cxn ang="0">
+                <a:pos x="wd2" y="hd2"/>
+              </a:cxn>
+              <a:cxn ang="5400000">
+                <a:pos x="wd2" y="hd2"/>
+              </a:cxn>
+              <a:cxn ang="10800000">
+                <a:pos x="wd2" y="hd2"/>
+              </a:cxn>
+              <a:cxn ang="16200000">
+                <a:pos x="wd2" y="hd2"/>
+              </a:cxn>
+            </a:cxnLst>
+            <a:rect l="0" t="0" r="r" b="b"/>
+            <a:pathLst>
+              <a:path w="21600" h="21600" extrusionOk="0">
+                <a:moveTo>
+                  <a:pt x="10799" y="0"/>
+                </a:moveTo>
+                <a:lnTo>
+                  <a:pt x="0" y="7088"/>
+                </a:lnTo>
+                <a:lnTo>
+                  <a:pt x="2154" y="7088"/>
+                </a:lnTo>
+                <a:lnTo>
+                  <a:pt x="2154" y="21600"/>
+                </a:lnTo>
+                <a:lnTo>
+                  <a:pt x="10801" y="18540"/>
+                </a:lnTo>
+                <a:lnTo>
+                  <a:pt x="19444" y="21599"/>
+                </a:lnTo>
+                <a:lnTo>
+                  <a:pt x="19444" y="7088"/>
+                </a:lnTo>
+                <a:lnTo>
+                  <a:pt x="21600" y="7088"/>
+                </a:lnTo>
+                <a:lnTo>
+                  <a:pt x="10799" y="0"/>
+                </a:lnTo>
+                <a:close/>
+              </a:path>
+            </a:pathLst>
+          </a:custGeom>
+          <a:solidFill>
+            <a:srgbClr val="76B900"/>
+          </a:solidFill>
+          <a:ln w="12700" cap="flat">
+            <a:noFill/>
+            <a:miter lim="400000"/>
+          </a:ln>
+          <a:effectLst>
+            <a:outerShdw blurRad="50800" dist="25400" dir="5400000" algn="ctr" rotWithShape="0">
+              <a:srgbClr val="000000">
+                <a:alpha val="30000"/>
+              </a:srgbClr>
+            </a:outerShdw>
+          </a:effectLst>
+        </p:spPr>
+        <p:txBody>
+          <a:bodyPr wrap="square" lIns="0" tIns="0" rIns="0" bIns="0" numCol="1" anchor="ctr">
+            <a:noAutofit/>
+          </a:bodyPr>
+          <a:lstStyle/>
+          <a:p>
+            <a:pPr lvl="0">
+              <a:defRPr sz="3200">
+                <a:solidFill>
+                  <a:srgbClr val="FFFFFF"/>
+                </a:solidFill>
+              </a:defRPr>
+            </a:pPr>
+            <a:endParaRPr>
+              <a:latin typeface="Roboto Light" charset="0"/>
+              <a:ea typeface="Roboto Light" charset="0"/>
+              <a:cs typeface="Roboto Light" charset="0"/>
+            </a:endParaRPr>
+          </a:p>
+        </p:txBody>
+      </p:sp>
+      <p:pic>
+        <p:nvPicPr>
+          <p:cNvPr id="6" name="Image 5">
+            <a:extLst>
+              <a:ext uri="{FF2B5EF4-FFF2-40B4-BE49-F238E27FC236}">
+                <a16:creationId xmlns:a16="http://schemas.microsoft.com/office/drawing/2014/main" id="{24260ED9-961A-495D-AE50-72631FF763CD}"/>
+              </a:ext>
+            </a:extLst>
+          </p:cNvPr>
+          <p:cNvPicPr>
+            <a:picLocks noChangeAspect="1"/>
+          </p:cNvPicPr>
+          <p:nvPr/>
+        </p:nvPicPr>
+        <p:blipFill>
+          <a:blip r:embed="rId4" cstate="print">
+            <a:extLst>
+              <a:ext uri="{28A0092B-C50C-407E-A947-70E740481C1C}">
+                <a14:useLocalDpi xmlns:a14="http://schemas.microsoft.com/office/drawing/2010/main" val="0"/>
+              </a:ext>
+              <a:ext uri="{837473B0-CC2E-450A-ABE3-18F120FF3D39}">
+                <a1611:picAttrSrcUrl xmlns:a1611="http://schemas.microsoft.com/office/drawing/2016/11/main" r:id="rId5"/>
+              </a:ext>
+            </a:extLst>
+          </a:blip>
+          <a:stretch>
+            <a:fillRect/>
+          </a:stretch>
+        </p:blipFill>
+        <p:spPr>
+          <a:xfrm>
+            <a:off x="1834275" y="4139921"/>
+            <a:ext cx="2680227" cy="1786818"/>
+          </a:xfrm>
+          <a:prstGeom prst="rect">
+            <a:avLst/>
+          </a:prstGeom>
+          <a:ln w="38100">
+            <a:solidFill>
+              <a:srgbClr val="76B900"/>
+            </a:solidFill>
+          </a:ln>
+        </p:spPr>
+      </p:pic>
+      <p:pic>
+        <p:nvPicPr>
+          <p:cNvPr id="12" name="Image 11">
+            <a:extLst>
+              <a:ext uri="{FF2B5EF4-FFF2-40B4-BE49-F238E27FC236}">
+                <a16:creationId xmlns:a16="http://schemas.microsoft.com/office/drawing/2014/main" id="{B020D1B6-0C94-4C3D-AAEA-E0497A0BB0CC}"/>
+              </a:ext>
+            </a:extLst>
+          </p:cNvPr>
+          <p:cNvPicPr>
+            <a:picLocks noChangeAspect="1"/>
+          </p:cNvPicPr>
+          <p:nvPr/>
+        </p:nvPicPr>
+        <p:blipFill>
+          <a:blip r:embed="rId6" cstate="print">
+            <a:extLst>
+              <a:ext uri="{28A0092B-C50C-407E-A947-70E740481C1C}">
+                <a14:useLocalDpi xmlns:a14="http://schemas.microsoft.com/office/drawing/2010/main" val="0"/>
+              </a:ext>
+            </a:extLst>
+          </a:blip>
+          <a:stretch>
+            <a:fillRect/>
+          </a:stretch>
+        </p:blipFill>
+        <p:spPr>
+          <a:xfrm>
+            <a:off x="547686" y="2294563"/>
+            <a:ext cx="3459442" cy="2371448"/>
+          </a:xfrm>
+          <a:prstGeom prst="rect">
+            <a:avLst/>
+          </a:prstGeom>
+        </p:spPr>
+      </p:pic>
+      <p:cxnSp>
+        <p:nvCxnSpPr>
+          <p:cNvPr id="9" name="Connecteur : en arc 8">
+            <a:extLst>
+              <a:ext uri="{FF2B5EF4-FFF2-40B4-BE49-F238E27FC236}">
+                <a16:creationId xmlns:a16="http://schemas.microsoft.com/office/drawing/2014/main" id="{D6221148-D128-4DEE-9651-7571E584A178}"/>
+              </a:ext>
+            </a:extLst>
+          </p:cNvPr>
+          <p:cNvCxnSpPr>
+            <a:cxnSpLocks/>
+          </p:cNvCxnSpPr>
+          <p:nvPr/>
+        </p:nvCxnSpPr>
+        <p:spPr>
+          <a:xfrm rot="16200000" flipH="1">
+            <a:off x="1580560" y="3808497"/>
+            <a:ext cx="1802766" cy="562708"/>
+          </a:xfrm>
+          <a:prstGeom prst="curvedConnector3">
+            <a:avLst>
+              <a:gd name="adj1" fmla="val 101279"/>
+            </a:avLst>
+          </a:prstGeom>
+          <a:ln w="57150">
+            <a:solidFill>
+              <a:srgbClr val="76B900"/>
+            </a:solidFill>
+            <a:tailEnd type="triangle"/>
+          </a:ln>
+        </p:spPr>
+        <p:style>
+          <a:lnRef idx="1">
+            <a:schemeClr val="accent1"/>
+          </a:lnRef>
+          <a:fillRef idx="0">
+            <a:schemeClr val="accent1"/>
+          </a:fillRef>
+          <a:effectRef idx="0">
+            <a:schemeClr val="accent1"/>
+          </a:effectRef>
+          <a:fontRef idx="minor">
+            <a:schemeClr val="tx1"/>
+          </a:fontRef>
+        </p:style>
+      </p:cxnSp>
+    </p:spTree>
+    <p:extLst>
+      <p:ext uri="{BB962C8B-B14F-4D97-AF65-F5344CB8AC3E}">
+        <p14:creationId xmlns:p14="http://schemas.microsoft.com/office/powerpoint/2010/main" val="1609090742"/>
+      </p:ext>
+    </p:extLst>
+  </p:cSld>
+  <p:clrMapOvr>
+    <a:masterClrMapping/>
+  </p:clrMapOvr>
+  <p:transition spd="slow">
+    <p:push dir="u"/>
+  </p:transition>
+</p:sld>
+</file>
+
+<file path=ppt/slides/slide7.xml><?xml version="1.0" encoding="utf-8"?>
+<p:sld xmlns:a="http://schemas.openxmlformats.org/drawingml/2006/main" xmlns:r="http://schemas.openxmlformats.org/officeDocument/2006/relationships" xmlns:p="http://schemas.openxmlformats.org/presentationml/2006/main">
+  <p:cSld>
+    <p:spTree>
+      <p:nvGrpSpPr>
+        <p:cNvPr id="1" name=""/>
+        <p:cNvGrpSpPr/>
+        <p:nvPr/>
+      </p:nvGrpSpPr>
+      <p:grpSpPr>
+        <a:xfrm>
+          <a:off x="0" y="0"/>
+          <a:ext cx="0" cy="0"/>
+          <a:chOff x="0" y="0"/>
+          <a:chExt cx="0" cy="0"/>
+        </a:xfrm>
+      </p:grpSpPr>
+      <p:sp>
+        <p:nvSpPr>
+          <p:cNvPr id="20" name="Freeform 19"/>
+          <p:cNvSpPr/>
+          <p:nvPr/>
+        </p:nvSpPr>
+        <p:spPr>
+          <a:xfrm>
+            <a:off x="7532207" y="0"/>
+            <a:ext cx="4659793" cy="6858000"/>
+          </a:xfrm>
+          <a:custGeom>
+            <a:avLst/>
+            <a:gdLst>
+              <a:gd name="connsiteX0" fmla="*/ 0 w 4659793"/>
+              <a:gd name="connsiteY0" fmla="*/ 0 h 6858000"/>
+              <a:gd name="connsiteX1" fmla="*/ 4659793 w 4659793"/>
+              <a:gd name="connsiteY1" fmla="*/ 0 h 6858000"/>
+              <a:gd name="connsiteX2" fmla="*/ 4659793 w 4659793"/>
+              <a:gd name="connsiteY2" fmla="*/ 6858000 h 6858000"/>
+              <a:gd name="connsiteX3" fmla="*/ 0 w 4659793"/>
+              <a:gd name="connsiteY3" fmla="*/ 6858000 h 6858000"/>
+            </a:gdLst>
+            <a:ahLst/>
+            <a:cxnLst>
+              <a:cxn ang="0">
+                <a:pos x="connsiteX0" y="connsiteY0"/>
+              </a:cxn>
+              <a:cxn ang="0">
+                <a:pos x="connsiteX1" y="connsiteY1"/>
+              </a:cxn>
+              <a:cxn ang="0">
+                <a:pos x="connsiteX2" y="connsiteY2"/>
+              </a:cxn>
+              <a:cxn ang="0">
+                <a:pos x="connsiteX3" y="connsiteY3"/>
+              </a:cxn>
+            </a:cxnLst>
+            <a:rect l="l" t="t" r="r" b="b"/>
+            <a:pathLst>
+              <a:path w="4659793" h="6858000">
+                <a:moveTo>
+                  <a:pt x="0" y="0"/>
+                </a:moveTo>
+                <a:lnTo>
+                  <a:pt x="4659793" y="0"/>
+                </a:lnTo>
+                <a:lnTo>
+                  <a:pt x="4659793" y="6858000"/>
+                </a:lnTo>
+                <a:lnTo>
+                  <a:pt x="0" y="6858000"/>
+                </a:lnTo>
+                <a:close/>
+              </a:path>
+            </a:pathLst>
+          </a:custGeom>
+          <a:solidFill>
+            <a:schemeClr val="accent5">
+              <a:lumMod val="60000"/>
+              <a:lumOff val="40000"/>
+            </a:schemeClr>
+          </a:solidFill>
+          <a:ln>
+            <a:noFill/>
+          </a:ln>
+          <a:effectLst>
+            <a:outerShdw blurRad="50800" dist="25400" algn="t" rotWithShape="0">
+              <a:prstClr val="black">
+                <a:alpha val="30000"/>
+              </a:prstClr>
+            </a:outerShdw>
+            <a:softEdge rad="0"/>
+          </a:effectLst>
+        </p:spPr>
+        <p:style>
+          <a:lnRef idx="2">
+            <a:schemeClr val="accent1">
+              <a:shade val="50000"/>
+            </a:schemeClr>
+          </a:lnRef>
+          <a:fillRef idx="1">
+            <a:schemeClr val="accent1"/>
+          </a:fillRef>
+          <a:effectRef idx="0">
+            <a:schemeClr val="accent1"/>
+          </a:effectRef>
+          <a:fontRef idx="minor">
+            <a:schemeClr val="lt1"/>
+          </a:fontRef>
+        </p:style>
+        <p:txBody>
+          <a:bodyPr rtlCol="0" anchor="ctr"/>
+          <a:lstStyle/>
+          <a:p>
+            <a:pPr algn="ctr"/>
+            <a:endParaRPr lang="en-US"/>
+          </a:p>
+        </p:txBody>
+      </p:sp>
+      <p:sp>
+        <p:nvSpPr>
+          <p:cNvPr id="22" name="Freeform 21"/>
+          <p:cNvSpPr/>
+          <p:nvPr/>
+        </p:nvSpPr>
+        <p:spPr>
+          <a:xfrm>
+            <a:off x="6064369" y="0"/>
+            <a:ext cx="6127631" cy="6858000"/>
+          </a:xfrm>
+          <a:custGeom>
+            <a:avLst/>
+            <a:gdLst>
+              <a:gd name="connsiteX0" fmla="*/ 0 w 6127631"/>
+              <a:gd name="connsiteY0" fmla="*/ 0 h 6858000"/>
+              <a:gd name="connsiteX1" fmla="*/ 5042155 w 6127631"/>
+              <a:gd name="connsiteY1" fmla="*/ 0 h 6858000"/>
+              <a:gd name="connsiteX2" fmla="*/ 6127631 w 6127631"/>
+              <a:gd name="connsiteY2" fmla="*/ 1625159 h 6858000"/>
+              <a:gd name="connsiteX3" fmla="*/ 6127631 w 6127631"/>
+              <a:gd name="connsiteY3" fmla="*/ 5232842 h 6858000"/>
+              <a:gd name="connsiteX4" fmla="*/ 5042155 w 6127631"/>
+              <a:gd name="connsiteY4" fmla="*/ 6858000 h 6858000"/>
+              <a:gd name="connsiteX5" fmla="*/ 0 w 6127631"/>
+              <a:gd name="connsiteY5" fmla="*/ 6858000 h 6858000"/>
+            </a:gdLst>
+            <a:ahLst/>
+            <a:cxnLst>
+              <a:cxn ang="0">
+                <a:pos x="connsiteX0" y="connsiteY0"/>
+              </a:cxn>
+              <a:cxn ang="0">
+                <a:pos x="connsiteX1" y="connsiteY1"/>
+              </a:cxn>
+              <a:cxn ang="0">
+                <a:pos x="connsiteX2" y="connsiteY2"/>
+              </a:cxn>
+              <a:cxn ang="0">
+                <a:pos x="connsiteX3" y="connsiteY3"/>
+              </a:cxn>
+              <a:cxn ang="0">
+                <a:pos x="connsiteX4" y="connsiteY4"/>
+              </a:cxn>
+              <a:cxn ang="0">
+                <a:pos x="connsiteX5" y="connsiteY5"/>
+              </a:cxn>
+            </a:cxnLst>
+            <a:rect l="l" t="t" r="r" b="b"/>
+            <a:pathLst>
+              <a:path w="6127631" h="6858000">
+                <a:moveTo>
+                  <a:pt x="0" y="0"/>
+                </a:moveTo>
+                <a:lnTo>
+                  <a:pt x="5042155" y="0"/>
+                </a:lnTo>
+                <a:lnTo>
+                  <a:pt x="6127631" y="1625159"/>
+                </a:lnTo>
+                <a:lnTo>
+                  <a:pt x="6127631" y="5232842"/>
+                </a:lnTo>
+                <a:lnTo>
+                  <a:pt x="5042155" y="6858000"/>
+                </a:lnTo>
+                <a:lnTo>
+                  <a:pt x="0" y="6858000"/>
+                </a:lnTo>
+                <a:close/>
+              </a:path>
+            </a:pathLst>
+          </a:custGeom>
+          <a:solidFill>
+            <a:schemeClr val="accent5"/>
+          </a:solidFill>
+          <a:ln>
+            <a:noFill/>
+          </a:ln>
+          <a:effectLst>
+            <a:outerShdw blurRad="50800" dist="25400" algn="t" rotWithShape="0">
+              <a:prstClr val="black">
+                <a:alpha val="30000"/>
+              </a:prstClr>
+            </a:outerShdw>
+            <a:softEdge rad="0"/>
+          </a:effectLst>
+        </p:spPr>
+        <p:style>
+          <a:lnRef idx="2">
+            <a:schemeClr val="accent1">
+              <a:shade val="50000"/>
+            </a:schemeClr>
+          </a:lnRef>
+          <a:fillRef idx="1">
+            <a:schemeClr val="accent1"/>
+          </a:fillRef>
+          <a:effectRef idx="0">
+            <a:schemeClr val="accent1"/>
+          </a:effectRef>
+          <a:fontRef idx="minor">
+            <a:schemeClr val="lt1"/>
+          </a:fontRef>
+        </p:style>
+        <p:txBody>
+          <a:bodyPr rtlCol="0" anchor="ctr"/>
+          <a:lstStyle/>
+          <a:p>
+            <a:pPr algn="ctr"/>
+            <a:endParaRPr lang="en-US"/>
+          </a:p>
+        </p:txBody>
+      </p:sp>
+      <p:sp>
+        <p:nvSpPr>
+          <p:cNvPr id="14" name="Pentagon 13"/>
+          <p:cNvSpPr/>
+          <p:nvPr/>
+        </p:nvSpPr>
+        <p:spPr>
+          <a:xfrm>
+            <a:off x="3696872" y="0"/>
+            <a:ext cx="7332453" cy="6858000"/>
+          </a:xfrm>
+          <a:prstGeom prst="homePlate">
+            <a:avLst>
+              <a:gd name="adj" fmla="val 33396"/>
+            </a:avLst>
+          </a:prstGeom>
+          <a:solidFill>
+            <a:schemeClr val="accent4"/>
+          </a:solidFill>
+          <a:ln>
+            <a:noFill/>
+          </a:ln>
+          <a:effectLst>
+            <a:outerShdw blurRad="50800" dist="25400" algn="t" rotWithShape="0">
+              <a:prstClr val="black">
+                <a:alpha val="30000"/>
+              </a:prstClr>
+            </a:outerShdw>
+            <a:softEdge rad="0"/>
+          </a:effectLst>
+        </p:spPr>
+        <p:style>
+          <a:lnRef idx="2">
+            <a:schemeClr val="accent1">
+              <a:shade val="50000"/>
+            </a:schemeClr>
+          </a:lnRef>
+          <a:fillRef idx="1">
+            <a:schemeClr val="accent1"/>
+          </a:fillRef>
+          <a:effectRef idx="0">
+            <a:schemeClr val="accent1"/>
+          </a:effectRef>
+          <a:fontRef idx="minor">
+            <a:schemeClr val="lt1"/>
+          </a:fontRef>
+        </p:style>
+        <p:txBody>
+          <a:bodyPr rtlCol="0" anchor="ctr"/>
+          <a:lstStyle/>
+          <a:p>
+            <a:pPr algn="ctr"/>
+            <a:endParaRPr lang="en-US"/>
+          </a:p>
+        </p:txBody>
+      </p:sp>
+      <p:sp>
+        <p:nvSpPr>
+          <p:cNvPr id="15" name="Pentagon 14"/>
+          <p:cNvSpPr/>
+          <p:nvPr/>
+        </p:nvSpPr>
+        <p:spPr>
+          <a:xfrm>
+            <a:off x="1930303" y="0"/>
+            <a:ext cx="7332453" cy="6858000"/>
+          </a:xfrm>
+          <a:prstGeom prst="homePlate">
+            <a:avLst>
+              <a:gd name="adj" fmla="val 33396"/>
+            </a:avLst>
+          </a:prstGeom>
+          <a:solidFill>
+            <a:schemeClr val="accent2"/>
+          </a:solidFill>
+          <a:ln>
+            <a:noFill/>
+          </a:ln>
+          <a:effectLst>
+            <a:outerShdw blurRad="50800" dist="25400" algn="t" rotWithShape="0">
+              <a:prstClr val="black">
+                <a:alpha val="30000"/>
+              </a:prstClr>
+            </a:outerShdw>
+            <a:softEdge rad="0"/>
+          </a:effectLst>
+        </p:spPr>
+        <p:style>
+          <a:lnRef idx="2">
+            <a:schemeClr val="accent1">
+              <a:shade val="50000"/>
+            </a:schemeClr>
+          </a:lnRef>
+          <a:fillRef idx="1">
+            <a:schemeClr val="accent1"/>
+          </a:fillRef>
+          <a:effectRef idx="0">
+            <a:schemeClr val="accent1"/>
+          </a:effectRef>
+          <a:fontRef idx="minor">
+            <a:schemeClr val="lt1"/>
+          </a:fontRef>
+        </p:style>
+        <p:txBody>
+          <a:bodyPr rtlCol="0" anchor="ctr"/>
+          <a:lstStyle/>
+          <a:p>
+            <a:pPr algn="ctr"/>
+            <a:endParaRPr lang="en-US"/>
+          </a:p>
+        </p:txBody>
+      </p:sp>
+      <p:sp>
+        <p:nvSpPr>
+          <p:cNvPr id="13" name="Pentagon 12"/>
+          <p:cNvSpPr/>
+          <p:nvPr/>
+        </p:nvSpPr>
+        <p:spPr>
+          <a:xfrm>
+            <a:off x="631574" y="0"/>
+            <a:ext cx="7332453" cy="6858000"/>
+          </a:xfrm>
+          <a:prstGeom prst="homePlate">
+            <a:avLst>
+              <a:gd name="adj" fmla="val 33396"/>
+            </a:avLst>
+          </a:prstGeom>
+          <a:solidFill>
+            <a:srgbClr val="76B900"/>
+          </a:solidFill>
+          <a:ln>
+            <a:solidFill>
+              <a:srgbClr val="76B900"/>
+            </a:solidFill>
+          </a:ln>
+          <a:effectLst>
+            <a:outerShdw blurRad="50800" dist="25400" algn="t" rotWithShape="0">
+              <a:prstClr val="black">
+                <a:alpha val="30000"/>
+              </a:prstClr>
+            </a:outerShdw>
+            <a:softEdge rad="0"/>
+          </a:effectLst>
+        </p:spPr>
+        <p:style>
+          <a:lnRef idx="2">
+            <a:schemeClr val="accent1">
+              <a:shade val="50000"/>
+            </a:schemeClr>
+          </a:lnRef>
+          <a:fillRef idx="1">
+            <a:schemeClr val="accent1"/>
+          </a:fillRef>
+          <a:effectRef idx="0">
+            <a:schemeClr val="accent1"/>
+          </a:effectRef>
+          <a:fontRef idx="minor">
+            <a:schemeClr val="lt1"/>
+          </a:fontRef>
+        </p:style>
+        <p:txBody>
+          <a:bodyPr rtlCol="0" anchor="ctr"/>
+          <a:lstStyle/>
+          <a:p>
+            <a:pPr algn="ctr"/>
+            <a:endParaRPr lang="en-US" dirty="0"/>
+          </a:p>
+        </p:txBody>
+      </p:sp>
+      <p:sp>
+        <p:nvSpPr>
+          <p:cNvPr id="12" name="Pentagon 11"/>
+          <p:cNvSpPr/>
+          <p:nvPr/>
+        </p:nvSpPr>
+        <p:spPr>
+          <a:xfrm>
+            <a:off x="303770" y="0"/>
+            <a:ext cx="7332453" cy="6858000"/>
+          </a:xfrm>
+          <a:prstGeom prst="homePlate">
+            <a:avLst>
+              <a:gd name="adj" fmla="val 33396"/>
+            </a:avLst>
+          </a:prstGeom>
+          <a:solidFill>
+            <a:schemeClr val="tx2"/>
+          </a:solidFill>
+          <a:ln>
+            <a:noFill/>
+          </a:ln>
+          <a:effectLst>
+            <a:outerShdw blurRad="50800" dist="25400" algn="t" rotWithShape="0">
+              <a:prstClr val="black">
+                <a:alpha val="30000"/>
+              </a:prstClr>
+            </a:outerShdw>
+            <a:softEdge rad="0"/>
+          </a:effectLst>
+        </p:spPr>
+        <p:style>
+          <a:lnRef idx="2">
+            <a:schemeClr val="accent1">
+              <a:shade val="50000"/>
+            </a:schemeClr>
+          </a:lnRef>
+          <a:fillRef idx="1">
+            <a:schemeClr val="accent1"/>
+          </a:fillRef>
+          <a:effectRef idx="0">
+            <a:schemeClr val="accent1"/>
+          </a:effectRef>
+          <a:fontRef idx="minor">
+            <a:schemeClr val="lt1"/>
+          </a:fontRef>
+        </p:style>
+        <p:txBody>
+          <a:bodyPr rtlCol="0" anchor="ctr"/>
+          <a:lstStyle/>
+          <a:p>
+            <a:pPr algn="ctr"/>
+            <a:endParaRPr lang="en-US"/>
+          </a:p>
+        </p:txBody>
+      </p:sp>
+      <p:sp>
+        <p:nvSpPr>
+          <p:cNvPr id="2" name="Pentagon 1"/>
+          <p:cNvSpPr/>
+          <p:nvPr/>
+        </p:nvSpPr>
+        <p:spPr>
+          <a:xfrm>
+            <a:off x="-524063" y="0"/>
+            <a:ext cx="7332453" cy="6858000"/>
+          </a:xfrm>
+          <a:prstGeom prst="homePlate">
+            <a:avLst>
+              <a:gd name="adj" fmla="val 33396"/>
+            </a:avLst>
+          </a:prstGeom>
+          <a:solidFill>
+            <a:schemeClr val="accent2"/>
+          </a:solidFill>
+          <a:ln>
+            <a:noFill/>
+          </a:ln>
+          <a:effectLst>
+            <a:outerShdw blurRad="50800" dist="25400" algn="t" rotWithShape="0">
+              <a:prstClr val="black">
+                <a:alpha val="30000"/>
+              </a:prstClr>
+            </a:outerShdw>
+            <a:softEdge rad="0"/>
+          </a:effectLst>
+        </p:spPr>
+        <p:style>
+          <a:lnRef idx="2">
+            <a:schemeClr val="accent1">
+              <a:shade val="50000"/>
+            </a:schemeClr>
+          </a:lnRef>
+          <a:fillRef idx="1">
+            <a:schemeClr val="accent1"/>
+          </a:fillRef>
+          <a:effectRef idx="0">
+            <a:schemeClr val="accent1"/>
+          </a:effectRef>
+          <a:fontRef idx="minor">
+            <a:schemeClr val="lt1"/>
+          </a:fontRef>
+        </p:style>
+        <p:txBody>
+          <a:bodyPr rtlCol="0" anchor="ctr"/>
+          <a:lstStyle/>
+          <a:p>
+            <a:pPr algn="ctr"/>
+            <a:endParaRPr lang="en-US"/>
+          </a:p>
+        </p:txBody>
+      </p:sp>
+      <p:sp>
+        <p:nvSpPr>
+          <p:cNvPr id="42" name="Rectangle 41"/>
+          <p:cNvSpPr/>
+          <p:nvPr/>
+        </p:nvSpPr>
+        <p:spPr>
+          <a:xfrm>
+            <a:off x="839077" y="2689571"/>
+            <a:ext cx="6026953" cy="865173"/>
+          </a:xfrm>
+          <a:prstGeom prst="rect">
+            <a:avLst/>
+          </a:prstGeom>
+        </p:spPr>
+        <p:txBody>
+          <a:bodyPr wrap="square">
+            <a:spAutoFit/>
+          </a:bodyPr>
+          <a:lstStyle/>
+          <a:p>
+            <a:pPr>
+              <a:lnSpc>
+                <a:spcPct val="140000"/>
+              </a:lnSpc>
+            </a:pPr>
+            <a:r>
+              <a:rPr lang="en-US" sz="4000" dirty="0">
+                <a:solidFill>
+                  <a:schemeClr val="bg1"/>
+                </a:solidFill>
+                <a:latin typeface="Roboto Light" charset="0"/>
+                <a:ea typeface="Roboto Light" charset="0"/>
+                <a:cs typeface="Roboto Light" charset="0"/>
+              </a:rPr>
+              <a:t>Installation Package</a:t>
+            </a:r>
+          </a:p>
+        </p:txBody>
+      </p:sp>
+      <p:sp>
+        <p:nvSpPr>
+          <p:cNvPr id="43" name="Rectangle 42"/>
+          <p:cNvSpPr/>
+          <p:nvPr/>
+        </p:nvSpPr>
+        <p:spPr>
+          <a:xfrm>
+            <a:off x="839077" y="3681559"/>
+            <a:ext cx="6026953" cy="461665"/>
+          </a:xfrm>
+          <a:prstGeom prst="rect">
+            <a:avLst/>
+          </a:prstGeom>
+        </p:spPr>
+        <p:txBody>
+          <a:bodyPr wrap="square">
+            <a:spAutoFit/>
+          </a:bodyPr>
+          <a:lstStyle/>
+          <a:p>
+            <a:r>
+              <a:rPr lang="en-US" sz="2400" dirty="0" err="1">
+                <a:solidFill>
+                  <a:schemeClr val="bg1"/>
+                </a:solidFill>
+                <a:latin typeface="Roboto Thin" charset="0"/>
+                <a:ea typeface="Roboto Thin" charset="0"/>
+                <a:cs typeface="Roboto Thin" charset="0"/>
+              </a:rPr>
+              <a:t>Suppléments</a:t>
+            </a:r>
+            <a:r>
+              <a:rPr lang="en-US" sz="2400" dirty="0">
+                <a:solidFill>
+                  <a:schemeClr val="bg1"/>
+                </a:solidFill>
+                <a:latin typeface="Roboto Thin" charset="0"/>
+                <a:ea typeface="Roboto Thin" charset="0"/>
+                <a:cs typeface="Roboto Thin" charset="0"/>
+              </a:rPr>
+              <a:t> du SDK </a:t>
+            </a:r>
+            <a:r>
+              <a:rPr lang="en-US" sz="2400" dirty="0" err="1">
+                <a:solidFill>
+                  <a:schemeClr val="bg1"/>
+                </a:solidFill>
+                <a:latin typeface="Roboto Thin" charset="0"/>
+                <a:ea typeface="Roboto Thin" charset="0"/>
+                <a:cs typeface="Roboto Thin" charset="0"/>
+              </a:rPr>
+              <a:t>Tegra</a:t>
+            </a:r>
+            <a:r>
+              <a:rPr lang="en-US" sz="2400" dirty="0">
+                <a:solidFill>
+                  <a:schemeClr val="bg1"/>
+                </a:solidFill>
+                <a:latin typeface="Roboto Thin" charset="0"/>
+                <a:ea typeface="Roboto Thin" charset="0"/>
+                <a:cs typeface="Roboto Thin" charset="0"/>
+              </a:rPr>
+              <a:t> X2</a:t>
+            </a:r>
+          </a:p>
+        </p:txBody>
+      </p:sp>
+    </p:spTree>
+    <p:extLst>
+      <p:ext uri="{BB962C8B-B14F-4D97-AF65-F5344CB8AC3E}">
+        <p14:creationId xmlns:p14="http://schemas.microsoft.com/office/powerpoint/2010/main" val="2332446859"/>
+      </p:ext>
+    </p:extLst>
+  </p:cSld>
+  <p:clrMapOvr>
+    <a:masterClrMapping/>
+  </p:clrMapOvr>
+  <p:transition spd="slow">
+    <p:push dir="u"/>
+  </p:transition>
+</p:sld>
+</file>
+
+<file path=ppt/slides/slide8.xml><?xml version="1.0" encoding="utf-8"?>
+<p:sld xmlns:a="http://schemas.openxmlformats.org/drawingml/2006/main" xmlns:r="http://schemas.openxmlformats.org/officeDocument/2006/relationships" xmlns:p="http://schemas.openxmlformats.org/presentationml/2006/main">
+  <p:cSld>
+    <p:bg>
+      <p:bgPr>
+        <a:solidFill>
+          <a:srgbClr val="F5F5F5"/>
+        </a:solidFill>
+        <a:effectLst/>
+      </p:bgPr>
+    </p:bg>
+    <p:spTree>
+      <p:nvGrpSpPr>
+        <p:cNvPr id="1" name=""/>
+        <p:cNvGrpSpPr/>
+        <p:nvPr/>
+      </p:nvGrpSpPr>
+      <p:grpSpPr>
+        <a:xfrm>
+          <a:off x="0" y="0"/>
+          <a:ext cx="0" cy="0"/>
+          <a:chOff x="0" y="0"/>
+          <a:chExt cx="0" cy="0"/>
+        </a:xfrm>
+      </p:grpSpPr>
+      <p:sp>
+        <p:nvSpPr>
+          <p:cNvPr id="2" name="Title 1"/>
+          <p:cNvSpPr>
+            <a:spLocks noGrp="1"/>
+          </p:cNvSpPr>
+          <p:nvPr>
+            <p:ph type="title"/>
+          </p:nvPr>
+        </p:nvSpPr>
+        <p:spPr/>
+        <p:txBody>
+          <a:bodyPr/>
+          <a:lstStyle/>
+          <a:p>
+            <a:r>
+              <a:rPr lang="en-US" dirty="0"/>
+              <a:t>BIBLIOTHEQUES</a:t>
+            </a:r>
+          </a:p>
+        </p:txBody>
+      </p:sp>
+      <p:sp>
+        <p:nvSpPr>
+          <p:cNvPr id="4" name="Slide Number Placeholder 3"/>
+          <p:cNvSpPr>
+            <a:spLocks noGrp="1"/>
+          </p:cNvSpPr>
+          <p:nvPr>
+            <p:ph type="sldNum" sz="quarter" idx="4"/>
+          </p:nvPr>
+        </p:nvSpPr>
+        <p:spPr>
+          <a:xfrm>
+            <a:off x="10919018" y="1346518"/>
+            <a:ext cx="725296" cy="365125"/>
+          </a:xfrm>
+        </p:spPr>
+        <p:txBody>
+          <a:bodyPr/>
+          <a:lstStyle/>
+          <a:p>
+            <a:fld id="{936C95AE-7298-45E1-9514-94AFF5BED89B}" type="slidenum">
+              <a:rPr lang="en-US" smtClean="0"/>
+              <a:pPr/>
+              <a:t>8</a:t>
             </a:fld>
             <a:endParaRPr lang="en-US" dirty="0"/>
           </a:p>
@@ -21013,7 +23824,7 @@
 </p:sld>
 </file>
 
-<file path=ppt/slides/slide7.xml><?xml version="1.0" encoding="utf-8"?>
+<file path=ppt/slides/slide9.xml><?xml version="1.0" encoding="utf-8"?>
 <p:sld xmlns:a="http://schemas.openxmlformats.org/drawingml/2006/main" xmlns:r="http://schemas.openxmlformats.org/officeDocument/2006/relationships" xmlns:p="http://schemas.openxmlformats.org/presentationml/2006/main">
   <p:cSld>
     <p:spTree>
@@ -21637,1319 +24448,6 @@
     <p:extLst>
       <p:ext uri="{BB962C8B-B14F-4D97-AF65-F5344CB8AC3E}">
         <p14:creationId xmlns:p14="http://schemas.microsoft.com/office/powerpoint/2010/main" val="3983952391"/>
-      </p:ext>
-    </p:extLst>
-  </p:cSld>
-  <p:clrMapOvr>
-    <a:masterClrMapping/>
-  </p:clrMapOvr>
-  <p:transition spd="slow">
-    <p:push dir="u"/>
-  </p:transition>
-</p:sld>
-</file>
-
-<file path=ppt/slides/slide8.xml><?xml version="1.0" encoding="utf-8"?>
-<p:sld xmlns:a="http://schemas.openxmlformats.org/drawingml/2006/main" xmlns:r="http://schemas.openxmlformats.org/officeDocument/2006/relationships" xmlns:p="http://schemas.openxmlformats.org/presentationml/2006/main">
-  <p:cSld>
-    <p:bg>
-      <p:bgPr>
-        <a:solidFill>
-          <a:srgbClr val="F5F5F5"/>
-        </a:solidFill>
-        <a:effectLst/>
-      </p:bgPr>
-    </p:bg>
-    <p:spTree>
-      <p:nvGrpSpPr>
-        <p:cNvPr id="1" name=""/>
-        <p:cNvGrpSpPr/>
-        <p:nvPr/>
-      </p:nvGrpSpPr>
-      <p:grpSpPr>
-        <a:xfrm>
-          <a:off x="0" y="0"/>
-          <a:ext cx="0" cy="0"/>
-          <a:chOff x="0" y="0"/>
-          <a:chExt cx="0" cy="0"/>
-        </a:xfrm>
-      </p:grpSpPr>
-      <p:sp>
-        <p:nvSpPr>
-          <p:cNvPr id="13" name="Rectangle 12"/>
-          <p:cNvSpPr/>
-          <p:nvPr/>
-        </p:nvSpPr>
-        <p:spPr>
-          <a:xfrm>
-            <a:off x="526941" y="2277035"/>
-            <a:ext cx="11117373" cy="4007648"/>
-          </a:xfrm>
-          <a:prstGeom prst="rect">
-            <a:avLst/>
-          </a:prstGeom>
-          <a:solidFill>
-            <a:schemeClr val="bg1"/>
-          </a:solidFill>
-          <a:ln>
-            <a:noFill/>
-          </a:ln>
-          <a:effectLst>
-            <a:outerShdw blurRad="38100" dist="12700" dir="5400000" algn="ctr" rotWithShape="0">
-              <a:srgbClr val="000000">
-                <a:alpha val="30000"/>
-              </a:srgbClr>
-            </a:outerShdw>
-          </a:effectLst>
-        </p:spPr>
-        <p:style>
-          <a:lnRef idx="2">
-            <a:schemeClr val="accent1">
-              <a:shade val="50000"/>
-            </a:schemeClr>
-          </a:lnRef>
-          <a:fillRef idx="1">
-            <a:schemeClr val="accent1"/>
-          </a:fillRef>
-          <a:effectRef idx="0">
-            <a:schemeClr val="accent1"/>
-          </a:effectRef>
-          <a:fontRef idx="minor">
-            <a:schemeClr val="lt1"/>
-          </a:fontRef>
-        </p:style>
-        <p:txBody>
-          <a:bodyPr rtlCol="0" anchor="ctr"/>
-          <a:lstStyle/>
-          <a:p>
-            <a:pPr algn="ctr"/>
-            <a:endParaRPr lang="en-US"/>
-          </a:p>
-        </p:txBody>
-      </p:sp>
-      <p:sp>
-        <p:nvSpPr>
-          <p:cNvPr id="2" name="Title 1"/>
-          <p:cNvSpPr>
-            <a:spLocks noGrp="1"/>
-          </p:cNvSpPr>
-          <p:nvPr>
-            <p:ph type="title"/>
-          </p:nvPr>
-        </p:nvSpPr>
-        <p:spPr/>
-        <p:txBody>
-          <a:bodyPr/>
-          <a:lstStyle/>
-          <a:p>
-            <a:r>
-              <a:rPr lang="en-US" dirty="0"/>
-              <a:t>BIBLIOTHEQUES</a:t>
-            </a:r>
-          </a:p>
-        </p:txBody>
-      </p:sp>
-      <p:sp>
-        <p:nvSpPr>
-          <p:cNvPr id="4" name="Slide Number Placeholder 3"/>
-          <p:cNvSpPr>
-            <a:spLocks noGrp="1"/>
-          </p:cNvSpPr>
-          <p:nvPr>
-            <p:ph type="sldNum" sz="quarter" idx="4"/>
-          </p:nvPr>
-        </p:nvSpPr>
-        <p:spPr>
-          <a:xfrm>
-            <a:off x="10919018" y="1346518"/>
-            <a:ext cx="725296" cy="365125"/>
-          </a:xfrm>
-        </p:spPr>
-        <p:txBody>
-          <a:bodyPr/>
-          <a:lstStyle/>
-          <a:p>
-            <a:fld id="{936C95AE-7298-45E1-9514-94AFF5BED89B}" type="slidenum">
-              <a:rPr lang="en-US" smtClean="0"/>
-              <a:pPr/>
-              <a:t>8</a:t>
-            </a:fld>
-            <a:endParaRPr lang="en-US" dirty="0"/>
-          </a:p>
-        </p:txBody>
-      </p:sp>
-      <p:sp>
-        <p:nvSpPr>
-          <p:cNvPr id="24" name="Oval 23"/>
-          <p:cNvSpPr/>
-          <p:nvPr/>
-        </p:nvSpPr>
-        <p:spPr>
-          <a:xfrm>
-            <a:off x="5704208" y="5780412"/>
-            <a:ext cx="875886" cy="875886"/>
-          </a:xfrm>
-          <a:prstGeom prst="ellipse">
-            <a:avLst/>
-          </a:prstGeom>
-          <a:solidFill>
-            <a:schemeClr val="accent3"/>
-          </a:solidFill>
-          <a:ln>
-            <a:noFill/>
-          </a:ln>
-          <a:effectLst>
-            <a:outerShdw blurRad="38100" dist="12700" dir="5400000" algn="ctr" rotWithShape="0">
-              <a:srgbClr val="000000">
-                <a:alpha val="30000"/>
-              </a:srgbClr>
-            </a:outerShdw>
-          </a:effectLst>
-        </p:spPr>
-        <p:style>
-          <a:lnRef idx="2">
-            <a:schemeClr val="accent1">
-              <a:shade val="50000"/>
-            </a:schemeClr>
-          </a:lnRef>
-          <a:fillRef idx="1">
-            <a:schemeClr val="accent1"/>
-          </a:fillRef>
-          <a:effectRef idx="0">
-            <a:schemeClr val="accent1"/>
-          </a:effectRef>
-          <a:fontRef idx="minor">
-            <a:schemeClr val="lt1"/>
-          </a:fontRef>
-        </p:style>
-        <p:txBody>
-          <a:bodyPr rtlCol="0" anchor="ctr"/>
-          <a:lstStyle/>
-          <a:p>
-            <a:pPr algn="ctr"/>
-            <a:endParaRPr lang="en-US"/>
-          </a:p>
-        </p:txBody>
-      </p:sp>
-      <p:sp>
-        <p:nvSpPr>
-          <p:cNvPr id="31" name="Rectangle 30"/>
-          <p:cNvSpPr/>
-          <p:nvPr/>
-        </p:nvSpPr>
-        <p:spPr>
-          <a:xfrm>
-            <a:off x="526941" y="2619786"/>
-            <a:ext cx="11117373" cy="568682"/>
-          </a:xfrm>
-          <a:prstGeom prst="rect">
-            <a:avLst/>
-          </a:prstGeom>
-        </p:spPr>
-        <p:txBody>
-          <a:bodyPr wrap="square">
-            <a:spAutoFit/>
-          </a:bodyPr>
-          <a:lstStyle/>
-          <a:p>
-            <a:pPr algn="ctr">
-              <a:lnSpc>
-                <a:spcPct val="120000"/>
-              </a:lnSpc>
-            </a:pPr>
-            <a:r>
-              <a:rPr lang="en-US" sz="2800" dirty="0">
-                <a:latin typeface="Roboto Light" charset="0"/>
-                <a:ea typeface="Roboto Light" charset="0"/>
-                <a:cs typeface="Roboto Light" charset="0"/>
-              </a:rPr>
-              <a:t>INSTALLATION VIA SSH</a:t>
-            </a:r>
-            <a:endParaRPr lang="en-US" sz="2400" dirty="0">
-              <a:latin typeface="Roboto Light" charset="0"/>
-              <a:ea typeface="Roboto Light" charset="0"/>
-              <a:cs typeface="Roboto Light" charset="0"/>
-            </a:endParaRPr>
-          </a:p>
-        </p:txBody>
-      </p:sp>
-      <p:pic>
-        <p:nvPicPr>
-          <p:cNvPr id="8" name="Image 7">
-            <a:extLst>
-              <a:ext uri="{FF2B5EF4-FFF2-40B4-BE49-F238E27FC236}">
-                <a16:creationId xmlns:a16="http://schemas.microsoft.com/office/drawing/2014/main" id="{788662CA-A775-4018-A371-E680CF7D7BD2}"/>
-              </a:ext>
-            </a:extLst>
-          </p:cNvPr>
-          <p:cNvPicPr>
-            <a:picLocks noChangeAspect="1"/>
-          </p:cNvPicPr>
-          <p:nvPr/>
-        </p:nvPicPr>
-        <p:blipFill>
-          <a:blip r:embed="rId3">
-            <a:extLst>
-              <a:ext uri="{28A0092B-C50C-407E-A947-70E740481C1C}">
-                <a14:useLocalDpi xmlns:a14="http://schemas.microsoft.com/office/drawing/2010/main" val="0"/>
-              </a:ext>
-            </a:extLst>
-          </a:blip>
-          <a:stretch>
-            <a:fillRect/>
-          </a:stretch>
-        </p:blipFill>
-        <p:spPr>
-          <a:xfrm>
-            <a:off x="5803939" y="5869260"/>
-            <a:ext cx="676424" cy="676424"/>
-          </a:xfrm>
-          <a:prstGeom prst="rect">
-            <a:avLst/>
-          </a:prstGeom>
-        </p:spPr>
-      </p:pic>
-      <p:pic>
-        <p:nvPicPr>
-          <p:cNvPr id="10" name="Image 9">
-            <a:extLst>
-              <a:ext uri="{FF2B5EF4-FFF2-40B4-BE49-F238E27FC236}">
-                <a16:creationId xmlns:a16="http://schemas.microsoft.com/office/drawing/2014/main" id="{BE1D6E45-A387-4960-B293-A1D4AD6BBB03}"/>
-              </a:ext>
-            </a:extLst>
-          </p:cNvPr>
-          <p:cNvPicPr>
-            <a:picLocks noChangeAspect="1"/>
-          </p:cNvPicPr>
-          <p:nvPr/>
-        </p:nvPicPr>
-        <p:blipFill>
-          <a:blip r:embed="rId4">
-            <a:extLst>
-              <a:ext uri="{28A0092B-C50C-407E-A947-70E740481C1C}">
-                <a14:useLocalDpi xmlns:a14="http://schemas.microsoft.com/office/drawing/2010/main" val="0"/>
-              </a:ext>
-            </a:extLst>
-          </a:blip>
-          <a:stretch>
-            <a:fillRect/>
-          </a:stretch>
-        </p:blipFill>
-        <p:spPr>
-          <a:xfrm>
-            <a:off x="683397" y="3274699"/>
-            <a:ext cx="3737881" cy="2789381"/>
-          </a:xfrm>
-          <a:prstGeom prst="rect">
-            <a:avLst/>
-          </a:prstGeom>
-        </p:spPr>
-      </p:pic>
-      <p:sp>
-        <p:nvSpPr>
-          <p:cNvPr id="23" name="Shape 385">
-            <a:extLst>
-              <a:ext uri="{FF2B5EF4-FFF2-40B4-BE49-F238E27FC236}">
-                <a16:creationId xmlns:a16="http://schemas.microsoft.com/office/drawing/2014/main" id="{52CCD468-CAA1-4D94-B168-3C48834675F0}"/>
-              </a:ext>
-            </a:extLst>
-          </p:cNvPr>
-          <p:cNvSpPr/>
-          <p:nvPr/>
-        </p:nvSpPr>
-        <p:spPr>
-          <a:xfrm rot="5400000">
-            <a:off x="5596901" y="2940559"/>
-            <a:ext cx="1485572" cy="3450905"/>
-          </a:xfrm>
-          <a:custGeom>
-            <a:avLst/>
-            <a:gdLst/>
-            <a:ahLst/>
-            <a:cxnLst>
-              <a:cxn ang="0">
-                <a:pos x="wd2" y="hd2"/>
-              </a:cxn>
-              <a:cxn ang="5400000">
-                <a:pos x="wd2" y="hd2"/>
-              </a:cxn>
-              <a:cxn ang="10800000">
-                <a:pos x="wd2" y="hd2"/>
-              </a:cxn>
-              <a:cxn ang="16200000">
-                <a:pos x="wd2" y="hd2"/>
-              </a:cxn>
-            </a:cxnLst>
-            <a:rect l="0" t="0" r="r" b="b"/>
-            <a:pathLst>
-              <a:path w="21600" h="21600" extrusionOk="0">
-                <a:moveTo>
-                  <a:pt x="10799" y="0"/>
-                </a:moveTo>
-                <a:lnTo>
-                  <a:pt x="0" y="7088"/>
-                </a:lnTo>
-                <a:lnTo>
-                  <a:pt x="2154" y="7088"/>
-                </a:lnTo>
-                <a:lnTo>
-                  <a:pt x="2154" y="21600"/>
-                </a:lnTo>
-                <a:lnTo>
-                  <a:pt x="10801" y="18540"/>
-                </a:lnTo>
-                <a:lnTo>
-                  <a:pt x="19444" y="21599"/>
-                </a:lnTo>
-                <a:lnTo>
-                  <a:pt x="19444" y="7088"/>
-                </a:lnTo>
-                <a:lnTo>
-                  <a:pt x="21600" y="7088"/>
-                </a:lnTo>
-                <a:lnTo>
-                  <a:pt x="10799" y="0"/>
-                </a:lnTo>
-                <a:close/>
-              </a:path>
-            </a:pathLst>
-          </a:custGeom>
-          <a:solidFill>
-            <a:srgbClr val="76B900"/>
-          </a:solidFill>
-          <a:ln w="12700" cap="flat">
-            <a:noFill/>
-            <a:miter lim="400000"/>
-          </a:ln>
-          <a:effectLst>
-            <a:outerShdw blurRad="50800" dist="25400" dir="5400000" algn="ctr" rotWithShape="0">
-              <a:srgbClr val="000000">
-                <a:alpha val="30000"/>
-              </a:srgbClr>
-            </a:outerShdw>
-          </a:effectLst>
-        </p:spPr>
-        <p:txBody>
-          <a:bodyPr wrap="square" lIns="0" tIns="0" rIns="0" bIns="0" numCol="1" anchor="ctr">
-            <a:noAutofit/>
-          </a:bodyPr>
-          <a:lstStyle/>
-          <a:p>
-            <a:pPr lvl="0">
-              <a:defRPr sz="3200">
-                <a:solidFill>
-                  <a:srgbClr val="FFFFFF"/>
-                </a:solidFill>
-              </a:defRPr>
-            </a:pPr>
-            <a:endParaRPr>
-              <a:latin typeface="Roboto Light" charset="0"/>
-              <a:ea typeface="Roboto Light" charset="0"/>
-              <a:cs typeface="Roboto Light" charset="0"/>
-            </a:endParaRPr>
-          </a:p>
-        </p:txBody>
-      </p:sp>
-      <p:pic>
-        <p:nvPicPr>
-          <p:cNvPr id="12" name="Image 11">
-            <a:extLst>
-              <a:ext uri="{FF2B5EF4-FFF2-40B4-BE49-F238E27FC236}">
-                <a16:creationId xmlns:a16="http://schemas.microsoft.com/office/drawing/2014/main" id="{18517EEA-EE4C-4CCC-A507-6B2C5905BF22}"/>
-              </a:ext>
-            </a:extLst>
-          </p:cNvPr>
-          <p:cNvPicPr>
-            <a:picLocks noChangeAspect="1"/>
-          </p:cNvPicPr>
-          <p:nvPr/>
-        </p:nvPicPr>
-        <p:blipFill>
-          <a:blip r:embed="rId5" cstate="print">
-            <a:extLst>
-              <a:ext uri="{28A0092B-C50C-407E-A947-70E740481C1C}">
-                <a14:useLocalDpi xmlns:a14="http://schemas.microsoft.com/office/drawing/2010/main" val="0"/>
-              </a:ext>
-            </a:extLst>
-          </a:blip>
-          <a:stretch>
-            <a:fillRect/>
-          </a:stretch>
-        </p:blipFill>
-        <p:spPr>
-          <a:xfrm>
-            <a:off x="5573581" y="4300955"/>
-            <a:ext cx="1023926" cy="575958"/>
-          </a:xfrm>
-          <a:prstGeom prst="rect">
-            <a:avLst/>
-          </a:prstGeom>
-        </p:spPr>
-      </p:pic>
-      <p:sp>
-        <p:nvSpPr>
-          <p:cNvPr id="35" name="Freeform 53">
-            <a:extLst>
-              <a:ext uri="{FF2B5EF4-FFF2-40B4-BE49-F238E27FC236}">
-                <a16:creationId xmlns:a16="http://schemas.microsoft.com/office/drawing/2014/main" id="{B154E40D-CEF4-42BE-B13D-D190277D61E0}"/>
-              </a:ext>
-            </a:extLst>
-          </p:cNvPr>
-          <p:cNvSpPr>
-            <a:spLocks noChangeArrowheads="1"/>
-          </p:cNvSpPr>
-          <p:nvPr/>
-        </p:nvSpPr>
-        <p:spPr bwMode="auto">
-          <a:xfrm>
-            <a:off x="5445448" y="4243109"/>
-            <a:ext cx="1289673" cy="845803"/>
-          </a:xfrm>
-          <a:custGeom>
-            <a:avLst/>
-            <a:gdLst>
-              <a:gd name="T0" fmla="*/ 528 w 636"/>
-              <a:gd name="T1" fmla="*/ 371 h 423"/>
-              <a:gd name="T2" fmla="*/ 584 w 636"/>
-              <a:gd name="T3" fmla="*/ 315 h 423"/>
-              <a:gd name="T4" fmla="*/ 584 w 636"/>
-              <a:gd name="T5" fmla="*/ 51 h 423"/>
-              <a:gd name="T6" fmla="*/ 528 w 636"/>
-              <a:gd name="T7" fmla="*/ 0 h 423"/>
-              <a:gd name="T8" fmla="*/ 107 w 636"/>
-              <a:gd name="T9" fmla="*/ 0 h 423"/>
-              <a:gd name="T10" fmla="*/ 51 w 636"/>
-              <a:gd name="T11" fmla="*/ 51 h 423"/>
-              <a:gd name="T12" fmla="*/ 51 w 636"/>
-              <a:gd name="T13" fmla="*/ 315 h 423"/>
-              <a:gd name="T14" fmla="*/ 107 w 636"/>
-              <a:gd name="T15" fmla="*/ 371 h 423"/>
-              <a:gd name="T16" fmla="*/ 0 w 636"/>
-              <a:gd name="T17" fmla="*/ 371 h 423"/>
-              <a:gd name="T18" fmla="*/ 0 w 636"/>
-              <a:gd name="T19" fmla="*/ 422 h 423"/>
-              <a:gd name="T20" fmla="*/ 635 w 636"/>
-              <a:gd name="T21" fmla="*/ 422 h 423"/>
-              <a:gd name="T22" fmla="*/ 635 w 636"/>
-              <a:gd name="T23" fmla="*/ 371 h 423"/>
-              <a:gd name="T24" fmla="*/ 528 w 636"/>
-              <a:gd name="T25" fmla="*/ 371 h 423"/>
-              <a:gd name="T26" fmla="*/ 107 w 636"/>
-              <a:gd name="T27" fmla="*/ 51 h 423"/>
-              <a:gd name="T28" fmla="*/ 528 w 636"/>
-              <a:gd name="T29" fmla="*/ 51 h 423"/>
-              <a:gd name="T30" fmla="*/ 528 w 636"/>
-              <a:gd name="T31" fmla="*/ 315 h 423"/>
-              <a:gd name="T32" fmla="*/ 107 w 636"/>
-              <a:gd name="T33" fmla="*/ 315 h 423"/>
-              <a:gd name="T34" fmla="*/ 107 w 636"/>
-              <a:gd name="T35" fmla="*/ 51 h 423"/>
-            </a:gdLst>
-            <a:ahLst/>
-            <a:cxnLst>
-              <a:cxn ang="0">
-                <a:pos x="T0" y="T1"/>
-              </a:cxn>
-              <a:cxn ang="0">
-                <a:pos x="T2" y="T3"/>
-              </a:cxn>
-              <a:cxn ang="0">
-                <a:pos x="T4" y="T5"/>
-              </a:cxn>
-              <a:cxn ang="0">
-                <a:pos x="T6" y="T7"/>
-              </a:cxn>
-              <a:cxn ang="0">
-                <a:pos x="T8" y="T9"/>
-              </a:cxn>
-              <a:cxn ang="0">
-                <a:pos x="T10" y="T11"/>
-              </a:cxn>
-              <a:cxn ang="0">
-                <a:pos x="T12" y="T13"/>
-              </a:cxn>
-              <a:cxn ang="0">
-                <a:pos x="T14" y="T15"/>
-              </a:cxn>
-              <a:cxn ang="0">
-                <a:pos x="T16" y="T17"/>
-              </a:cxn>
-              <a:cxn ang="0">
-                <a:pos x="T18" y="T19"/>
-              </a:cxn>
-              <a:cxn ang="0">
-                <a:pos x="T20" y="T21"/>
-              </a:cxn>
-              <a:cxn ang="0">
-                <a:pos x="T22" y="T23"/>
-              </a:cxn>
-              <a:cxn ang="0">
-                <a:pos x="T24" y="T25"/>
-              </a:cxn>
-              <a:cxn ang="0">
-                <a:pos x="T26" y="T27"/>
-              </a:cxn>
-              <a:cxn ang="0">
-                <a:pos x="T28" y="T29"/>
-              </a:cxn>
-              <a:cxn ang="0">
-                <a:pos x="T30" y="T31"/>
-              </a:cxn>
-              <a:cxn ang="0">
-                <a:pos x="T32" y="T33"/>
-              </a:cxn>
-              <a:cxn ang="0">
-                <a:pos x="T34" y="T35"/>
-              </a:cxn>
-            </a:cxnLst>
-            <a:rect l="0" t="0" r="r" b="b"/>
-            <a:pathLst>
-              <a:path w="636" h="423">
-                <a:moveTo>
-                  <a:pt x="528" y="371"/>
-                </a:moveTo>
-                <a:cubicBezTo>
-                  <a:pt x="559" y="371"/>
-                  <a:pt x="584" y="346"/>
-                  <a:pt x="584" y="315"/>
-                </a:cubicBezTo>
-                <a:lnTo>
-                  <a:pt x="584" y="51"/>
-                </a:lnTo>
-                <a:cubicBezTo>
-                  <a:pt x="584" y="21"/>
-                  <a:pt x="559" y="0"/>
-                  <a:pt x="528" y="0"/>
-                </a:cubicBezTo>
-                <a:lnTo>
-                  <a:pt x="107" y="0"/>
-                </a:lnTo>
-                <a:cubicBezTo>
-                  <a:pt x="76" y="0"/>
-                  <a:pt x="51" y="21"/>
-                  <a:pt x="51" y="51"/>
-                </a:cubicBezTo>
-                <a:lnTo>
-                  <a:pt x="51" y="315"/>
-                </a:lnTo>
-                <a:cubicBezTo>
-                  <a:pt x="51" y="346"/>
-                  <a:pt x="76" y="371"/>
-                  <a:pt x="107" y="371"/>
-                </a:cubicBezTo>
-                <a:lnTo>
-                  <a:pt x="0" y="371"/>
-                </a:lnTo>
-                <a:lnTo>
-                  <a:pt x="0" y="422"/>
-                </a:lnTo>
-                <a:lnTo>
-                  <a:pt x="635" y="422"/>
-                </a:lnTo>
-                <a:lnTo>
-                  <a:pt x="635" y="371"/>
-                </a:lnTo>
-                <a:lnTo>
-                  <a:pt x="528" y="371"/>
-                </a:lnTo>
-                <a:close/>
-                <a:moveTo>
-                  <a:pt x="107" y="51"/>
-                </a:moveTo>
-                <a:lnTo>
-                  <a:pt x="528" y="51"/>
-                </a:lnTo>
-                <a:lnTo>
-                  <a:pt x="528" y="315"/>
-                </a:lnTo>
-                <a:lnTo>
-                  <a:pt x="107" y="315"/>
-                </a:lnTo>
-                <a:lnTo>
-                  <a:pt x="107" y="51"/>
-                </a:lnTo>
-                <a:close/>
-              </a:path>
-            </a:pathLst>
-          </a:custGeom>
-          <a:solidFill>
-            <a:schemeClr val="bg1"/>
-          </a:solidFill>
-          <a:ln>
-            <a:noFill/>
-          </a:ln>
-          <a:effectLst/>
-        </p:spPr>
-        <p:txBody>
-          <a:bodyPr wrap="none" anchor="ctr"/>
-          <a:lstStyle/>
-          <a:p>
-            <a:endParaRPr lang="en-US"/>
-          </a:p>
-        </p:txBody>
-      </p:sp>
-      <p:pic>
-        <p:nvPicPr>
-          <p:cNvPr id="18" name="Image 17">
-            <a:extLst>
-              <a:ext uri="{FF2B5EF4-FFF2-40B4-BE49-F238E27FC236}">
-                <a16:creationId xmlns:a16="http://schemas.microsoft.com/office/drawing/2014/main" id="{608BAC74-BFEC-4379-87DD-5ADD60EE5DBD}"/>
-              </a:ext>
-            </a:extLst>
-          </p:cNvPr>
-          <p:cNvPicPr>
-            <a:picLocks noChangeAspect="1"/>
-          </p:cNvPicPr>
-          <p:nvPr/>
-        </p:nvPicPr>
-        <p:blipFill>
-          <a:blip r:embed="rId6" cstate="print">
-            <a:extLst>
-              <a:ext uri="{28A0092B-C50C-407E-A947-70E740481C1C}">
-                <a14:useLocalDpi xmlns:a14="http://schemas.microsoft.com/office/drawing/2010/main" val="0"/>
-              </a:ext>
-            </a:extLst>
-          </a:blip>
-          <a:stretch>
-            <a:fillRect/>
-          </a:stretch>
-        </p:blipFill>
-        <p:spPr>
-          <a:xfrm>
-            <a:off x="8121779" y="3661379"/>
-            <a:ext cx="3459442" cy="2371448"/>
-          </a:xfrm>
-          <a:prstGeom prst="rect">
-            <a:avLst/>
-          </a:prstGeom>
-        </p:spPr>
-      </p:pic>
-    </p:spTree>
-    <p:extLst>
-      <p:ext uri="{BB962C8B-B14F-4D97-AF65-F5344CB8AC3E}">
-        <p14:creationId xmlns:p14="http://schemas.microsoft.com/office/powerpoint/2010/main" val="1206479371"/>
-      </p:ext>
-    </p:extLst>
-  </p:cSld>
-  <p:clrMapOvr>
-    <a:masterClrMapping/>
-  </p:clrMapOvr>
-  <p:transition spd="slow">
-    <p:push dir="u"/>
-  </p:transition>
-</p:sld>
-</file>
-
-<file path=ppt/slides/slide9.xml><?xml version="1.0" encoding="utf-8"?>
-<p:sld xmlns:a="http://schemas.openxmlformats.org/drawingml/2006/main" xmlns:r="http://schemas.openxmlformats.org/officeDocument/2006/relationships" xmlns:p="http://schemas.openxmlformats.org/presentationml/2006/main">
-  <p:cSld>
-    <p:spTree>
-      <p:nvGrpSpPr>
-        <p:cNvPr id="1" name=""/>
-        <p:cNvGrpSpPr/>
-        <p:nvPr/>
-      </p:nvGrpSpPr>
-      <p:grpSpPr>
-        <a:xfrm>
-          <a:off x="0" y="0"/>
-          <a:ext cx="0" cy="0"/>
-          <a:chOff x="0" y="0"/>
-          <a:chExt cx="0" cy="0"/>
-        </a:xfrm>
-      </p:grpSpPr>
-      <p:sp>
-        <p:nvSpPr>
-          <p:cNvPr id="20" name="Freeform 19"/>
-          <p:cNvSpPr/>
-          <p:nvPr/>
-        </p:nvSpPr>
-        <p:spPr>
-          <a:xfrm>
-            <a:off x="7532207" y="0"/>
-            <a:ext cx="4659793" cy="6858000"/>
-          </a:xfrm>
-          <a:custGeom>
-            <a:avLst/>
-            <a:gdLst>
-              <a:gd name="connsiteX0" fmla="*/ 0 w 4659793"/>
-              <a:gd name="connsiteY0" fmla="*/ 0 h 6858000"/>
-              <a:gd name="connsiteX1" fmla="*/ 4659793 w 4659793"/>
-              <a:gd name="connsiteY1" fmla="*/ 0 h 6858000"/>
-              <a:gd name="connsiteX2" fmla="*/ 4659793 w 4659793"/>
-              <a:gd name="connsiteY2" fmla="*/ 6858000 h 6858000"/>
-              <a:gd name="connsiteX3" fmla="*/ 0 w 4659793"/>
-              <a:gd name="connsiteY3" fmla="*/ 6858000 h 6858000"/>
-            </a:gdLst>
-            <a:ahLst/>
-            <a:cxnLst>
-              <a:cxn ang="0">
-                <a:pos x="connsiteX0" y="connsiteY0"/>
-              </a:cxn>
-              <a:cxn ang="0">
-                <a:pos x="connsiteX1" y="connsiteY1"/>
-              </a:cxn>
-              <a:cxn ang="0">
-                <a:pos x="connsiteX2" y="connsiteY2"/>
-              </a:cxn>
-              <a:cxn ang="0">
-                <a:pos x="connsiteX3" y="connsiteY3"/>
-              </a:cxn>
-            </a:cxnLst>
-            <a:rect l="l" t="t" r="r" b="b"/>
-            <a:pathLst>
-              <a:path w="4659793" h="6858000">
-                <a:moveTo>
-                  <a:pt x="0" y="0"/>
-                </a:moveTo>
-                <a:lnTo>
-                  <a:pt x="4659793" y="0"/>
-                </a:lnTo>
-                <a:lnTo>
-                  <a:pt x="4659793" y="6858000"/>
-                </a:lnTo>
-                <a:lnTo>
-                  <a:pt x="0" y="6858000"/>
-                </a:lnTo>
-                <a:close/>
-              </a:path>
-            </a:pathLst>
-          </a:custGeom>
-          <a:solidFill>
-            <a:schemeClr val="accent5">
-              <a:lumMod val="60000"/>
-              <a:lumOff val="40000"/>
-            </a:schemeClr>
-          </a:solidFill>
-          <a:ln>
-            <a:noFill/>
-          </a:ln>
-          <a:effectLst>
-            <a:outerShdw blurRad="50800" dist="25400" algn="t" rotWithShape="0">
-              <a:prstClr val="black">
-                <a:alpha val="30000"/>
-              </a:prstClr>
-            </a:outerShdw>
-            <a:softEdge rad="0"/>
-          </a:effectLst>
-        </p:spPr>
-        <p:style>
-          <a:lnRef idx="2">
-            <a:schemeClr val="accent1">
-              <a:shade val="50000"/>
-            </a:schemeClr>
-          </a:lnRef>
-          <a:fillRef idx="1">
-            <a:schemeClr val="accent1"/>
-          </a:fillRef>
-          <a:effectRef idx="0">
-            <a:schemeClr val="accent1"/>
-          </a:effectRef>
-          <a:fontRef idx="minor">
-            <a:schemeClr val="lt1"/>
-          </a:fontRef>
-        </p:style>
-        <p:txBody>
-          <a:bodyPr rtlCol="0" anchor="ctr"/>
-          <a:lstStyle/>
-          <a:p>
-            <a:pPr algn="ctr"/>
-            <a:endParaRPr lang="en-US"/>
-          </a:p>
-        </p:txBody>
-      </p:sp>
-      <p:sp>
-        <p:nvSpPr>
-          <p:cNvPr id="22" name="Freeform 21"/>
-          <p:cNvSpPr/>
-          <p:nvPr/>
-        </p:nvSpPr>
-        <p:spPr>
-          <a:xfrm>
-            <a:off x="6064369" y="0"/>
-            <a:ext cx="6127631" cy="6858000"/>
-          </a:xfrm>
-          <a:custGeom>
-            <a:avLst/>
-            <a:gdLst>
-              <a:gd name="connsiteX0" fmla="*/ 0 w 6127631"/>
-              <a:gd name="connsiteY0" fmla="*/ 0 h 6858000"/>
-              <a:gd name="connsiteX1" fmla="*/ 5042155 w 6127631"/>
-              <a:gd name="connsiteY1" fmla="*/ 0 h 6858000"/>
-              <a:gd name="connsiteX2" fmla="*/ 6127631 w 6127631"/>
-              <a:gd name="connsiteY2" fmla="*/ 1625159 h 6858000"/>
-              <a:gd name="connsiteX3" fmla="*/ 6127631 w 6127631"/>
-              <a:gd name="connsiteY3" fmla="*/ 5232842 h 6858000"/>
-              <a:gd name="connsiteX4" fmla="*/ 5042155 w 6127631"/>
-              <a:gd name="connsiteY4" fmla="*/ 6858000 h 6858000"/>
-              <a:gd name="connsiteX5" fmla="*/ 0 w 6127631"/>
-              <a:gd name="connsiteY5" fmla="*/ 6858000 h 6858000"/>
-            </a:gdLst>
-            <a:ahLst/>
-            <a:cxnLst>
-              <a:cxn ang="0">
-                <a:pos x="connsiteX0" y="connsiteY0"/>
-              </a:cxn>
-              <a:cxn ang="0">
-                <a:pos x="connsiteX1" y="connsiteY1"/>
-              </a:cxn>
-              <a:cxn ang="0">
-                <a:pos x="connsiteX2" y="connsiteY2"/>
-              </a:cxn>
-              <a:cxn ang="0">
-                <a:pos x="connsiteX3" y="connsiteY3"/>
-              </a:cxn>
-              <a:cxn ang="0">
-                <a:pos x="connsiteX4" y="connsiteY4"/>
-              </a:cxn>
-              <a:cxn ang="0">
-                <a:pos x="connsiteX5" y="connsiteY5"/>
-              </a:cxn>
-            </a:cxnLst>
-            <a:rect l="l" t="t" r="r" b="b"/>
-            <a:pathLst>
-              <a:path w="6127631" h="6858000">
-                <a:moveTo>
-                  <a:pt x="0" y="0"/>
-                </a:moveTo>
-                <a:lnTo>
-                  <a:pt x="5042155" y="0"/>
-                </a:lnTo>
-                <a:lnTo>
-                  <a:pt x="6127631" y="1625159"/>
-                </a:lnTo>
-                <a:lnTo>
-                  <a:pt x="6127631" y="5232842"/>
-                </a:lnTo>
-                <a:lnTo>
-                  <a:pt x="5042155" y="6858000"/>
-                </a:lnTo>
-                <a:lnTo>
-                  <a:pt x="0" y="6858000"/>
-                </a:lnTo>
-                <a:close/>
-              </a:path>
-            </a:pathLst>
-          </a:custGeom>
-          <a:solidFill>
-            <a:schemeClr val="accent5"/>
-          </a:solidFill>
-          <a:ln>
-            <a:noFill/>
-          </a:ln>
-          <a:effectLst>
-            <a:outerShdw blurRad="50800" dist="25400" algn="t" rotWithShape="0">
-              <a:prstClr val="black">
-                <a:alpha val="30000"/>
-              </a:prstClr>
-            </a:outerShdw>
-            <a:softEdge rad="0"/>
-          </a:effectLst>
-        </p:spPr>
-        <p:style>
-          <a:lnRef idx="2">
-            <a:schemeClr val="accent1">
-              <a:shade val="50000"/>
-            </a:schemeClr>
-          </a:lnRef>
-          <a:fillRef idx="1">
-            <a:schemeClr val="accent1"/>
-          </a:fillRef>
-          <a:effectRef idx="0">
-            <a:schemeClr val="accent1"/>
-          </a:effectRef>
-          <a:fontRef idx="minor">
-            <a:schemeClr val="lt1"/>
-          </a:fontRef>
-        </p:style>
-        <p:txBody>
-          <a:bodyPr rtlCol="0" anchor="ctr"/>
-          <a:lstStyle/>
-          <a:p>
-            <a:pPr algn="ctr"/>
-            <a:endParaRPr lang="en-US"/>
-          </a:p>
-        </p:txBody>
-      </p:sp>
-      <p:sp>
-        <p:nvSpPr>
-          <p:cNvPr id="14" name="Pentagon 13"/>
-          <p:cNvSpPr/>
-          <p:nvPr/>
-        </p:nvSpPr>
-        <p:spPr>
-          <a:xfrm>
-            <a:off x="3696872" y="0"/>
-            <a:ext cx="7332453" cy="6858000"/>
-          </a:xfrm>
-          <a:prstGeom prst="homePlate">
-            <a:avLst>
-              <a:gd name="adj" fmla="val 33396"/>
-            </a:avLst>
-          </a:prstGeom>
-          <a:solidFill>
-            <a:schemeClr val="accent4"/>
-          </a:solidFill>
-          <a:ln>
-            <a:noFill/>
-          </a:ln>
-          <a:effectLst>
-            <a:outerShdw blurRad="50800" dist="25400" algn="t" rotWithShape="0">
-              <a:prstClr val="black">
-                <a:alpha val="30000"/>
-              </a:prstClr>
-            </a:outerShdw>
-            <a:softEdge rad="0"/>
-          </a:effectLst>
-        </p:spPr>
-        <p:style>
-          <a:lnRef idx="2">
-            <a:schemeClr val="accent1">
-              <a:shade val="50000"/>
-            </a:schemeClr>
-          </a:lnRef>
-          <a:fillRef idx="1">
-            <a:schemeClr val="accent1"/>
-          </a:fillRef>
-          <a:effectRef idx="0">
-            <a:schemeClr val="accent1"/>
-          </a:effectRef>
-          <a:fontRef idx="minor">
-            <a:schemeClr val="lt1"/>
-          </a:fontRef>
-        </p:style>
-        <p:txBody>
-          <a:bodyPr rtlCol="0" anchor="ctr"/>
-          <a:lstStyle/>
-          <a:p>
-            <a:pPr algn="ctr"/>
-            <a:endParaRPr lang="en-US"/>
-          </a:p>
-        </p:txBody>
-      </p:sp>
-      <p:sp>
-        <p:nvSpPr>
-          <p:cNvPr id="15" name="Pentagon 14"/>
-          <p:cNvSpPr/>
-          <p:nvPr/>
-        </p:nvSpPr>
-        <p:spPr>
-          <a:xfrm>
-            <a:off x="1930303" y="0"/>
-            <a:ext cx="7332453" cy="6858000"/>
-          </a:xfrm>
-          <a:prstGeom prst="homePlate">
-            <a:avLst>
-              <a:gd name="adj" fmla="val 33396"/>
-            </a:avLst>
-          </a:prstGeom>
-          <a:solidFill>
-            <a:schemeClr val="accent2"/>
-          </a:solidFill>
-          <a:ln>
-            <a:noFill/>
-          </a:ln>
-          <a:effectLst>
-            <a:outerShdw blurRad="50800" dist="25400" algn="t" rotWithShape="0">
-              <a:prstClr val="black">
-                <a:alpha val="30000"/>
-              </a:prstClr>
-            </a:outerShdw>
-            <a:softEdge rad="0"/>
-          </a:effectLst>
-        </p:spPr>
-        <p:style>
-          <a:lnRef idx="2">
-            <a:schemeClr val="accent1">
-              <a:shade val="50000"/>
-            </a:schemeClr>
-          </a:lnRef>
-          <a:fillRef idx="1">
-            <a:schemeClr val="accent1"/>
-          </a:fillRef>
-          <a:effectRef idx="0">
-            <a:schemeClr val="accent1"/>
-          </a:effectRef>
-          <a:fontRef idx="minor">
-            <a:schemeClr val="lt1"/>
-          </a:fontRef>
-        </p:style>
-        <p:txBody>
-          <a:bodyPr rtlCol="0" anchor="ctr"/>
-          <a:lstStyle/>
-          <a:p>
-            <a:pPr algn="ctr"/>
-            <a:endParaRPr lang="en-US"/>
-          </a:p>
-        </p:txBody>
-      </p:sp>
-      <p:sp>
-        <p:nvSpPr>
-          <p:cNvPr id="13" name="Pentagon 12"/>
-          <p:cNvSpPr/>
-          <p:nvPr/>
-        </p:nvSpPr>
-        <p:spPr>
-          <a:xfrm>
-            <a:off x="631574" y="0"/>
-            <a:ext cx="7332453" cy="6858000"/>
-          </a:xfrm>
-          <a:prstGeom prst="homePlate">
-            <a:avLst>
-              <a:gd name="adj" fmla="val 33396"/>
-            </a:avLst>
-          </a:prstGeom>
-          <a:solidFill>
-            <a:srgbClr val="76B900"/>
-          </a:solidFill>
-          <a:ln>
-            <a:solidFill>
-              <a:srgbClr val="76B900"/>
-            </a:solidFill>
-          </a:ln>
-          <a:effectLst>
-            <a:outerShdw blurRad="50800" dist="25400" algn="t" rotWithShape="0">
-              <a:prstClr val="black">
-                <a:alpha val="30000"/>
-              </a:prstClr>
-            </a:outerShdw>
-            <a:softEdge rad="0"/>
-          </a:effectLst>
-        </p:spPr>
-        <p:style>
-          <a:lnRef idx="2">
-            <a:schemeClr val="accent1">
-              <a:shade val="50000"/>
-            </a:schemeClr>
-          </a:lnRef>
-          <a:fillRef idx="1">
-            <a:schemeClr val="accent1"/>
-          </a:fillRef>
-          <a:effectRef idx="0">
-            <a:schemeClr val="accent1"/>
-          </a:effectRef>
-          <a:fontRef idx="minor">
-            <a:schemeClr val="lt1"/>
-          </a:fontRef>
-        </p:style>
-        <p:txBody>
-          <a:bodyPr rtlCol="0" anchor="ctr"/>
-          <a:lstStyle/>
-          <a:p>
-            <a:pPr algn="ctr"/>
-            <a:endParaRPr lang="en-US" dirty="0"/>
-          </a:p>
-        </p:txBody>
-      </p:sp>
-      <p:sp>
-        <p:nvSpPr>
-          <p:cNvPr id="12" name="Pentagon 11"/>
-          <p:cNvSpPr/>
-          <p:nvPr/>
-        </p:nvSpPr>
-        <p:spPr>
-          <a:xfrm>
-            <a:off x="303770" y="0"/>
-            <a:ext cx="7332453" cy="6858000"/>
-          </a:xfrm>
-          <a:prstGeom prst="homePlate">
-            <a:avLst>
-              <a:gd name="adj" fmla="val 33396"/>
-            </a:avLst>
-          </a:prstGeom>
-          <a:solidFill>
-            <a:schemeClr val="tx2"/>
-          </a:solidFill>
-          <a:ln>
-            <a:noFill/>
-          </a:ln>
-          <a:effectLst>
-            <a:outerShdw blurRad="50800" dist="25400" algn="t" rotWithShape="0">
-              <a:prstClr val="black">
-                <a:alpha val="30000"/>
-              </a:prstClr>
-            </a:outerShdw>
-            <a:softEdge rad="0"/>
-          </a:effectLst>
-        </p:spPr>
-        <p:style>
-          <a:lnRef idx="2">
-            <a:schemeClr val="accent1">
-              <a:shade val="50000"/>
-            </a:schemeClr>
-          </a:lnRef>
-          <a:fillRef idx="1">
-            <a:schemeClr val="accent1"/>
-          </a:fillRef>
-          <a:effectRef idx="0">
-            <a:schemeClr val="accent1"/>
-          </a:effectRef>
-          <a:fontRef idx="minor">
-            <a:schemeClr val="lt1"/>
-          </a:fontRef>
-        </p:style>
-        <p:txBody>
-          <a:bodyPr rtlCol="0" anchor="ctr"/>
-          <a:lstStyle/>
-          <a:p>
-            <a:pPr algn="ctr"/>
-            <a:endParaRPr lang="en-US"/>
-          </a:p>
-        </p:txBody>
-      </p:sp>
-      <p:sp>
-        <p:nvSpPr>
-          <p:cNvPr id="2" name="Pentagon 1"/>
-          <p:cNvSpPr/>
-          <p:nvPr/>
-        </p:nvSpPr>
-        <p:spPr>
-          <a:xfrm>
-            <a:off x="-524063" y="0"/>
-            <a:ext cx="7332453" cy="6858000"/>
-          </a:xfrm>
-          <a:prstGeom prst="homePlate">
-            <a:avLst>
-              <a:gd name="adj" fmla="val 33396"/>
-            </a:avLst>
-          </a:prstGeom>
-          <a:solidFill>
-            <a:schemeClr val="accent2"/>
-          </a:solidFill>
-          <a:ln>
-            <a:noFill/>
-          </a:ln>
-          <a:effectLst>
-            <a:outerShdw blurRad="50800" dist="25400" algn="t" rotWithShape="0">
-              <a:prstClr val="black">
-                <a:alpha val="30000"/>
-              </a:prstClr>
-            </a:outerShdw>
-            <a:softEdge rad="0"/>
-          </a:effectLst>
-        </p:spPr>
-        <p:style>
-          <a:lnRef idx="2">
-            <a:schemeClr val="accent1">
-              <a:shade val="50000"/>
-            </a:schemeClr>
-          </a:lnRef>
-          <a:fillRef idx="1">
-            <a:schemeClr val="accent1"/>
-          </a:fillRef>
-          <a:effectRef idx="0">
-            <a:schemeClr val="accent1"/>
-          </a:effectRef>
-          <a:fontRef idx="minor">
-            <a:schemeClr val="lt1"/>
-          </a:fontRef>
-        </p:style>
-        <p:txBody>
-          <a:bodyPr rtlCol="0" anchor="ctr"/>
-          <a:lstStyle/>
-          <a:p>
-            <a:pPr algn="ctr"/>
-            <a:endParaRPr lang="en-US"/>
-          </a:p>
-        </p:txBody>
-      </p:sp>
-      <p:sp>
-        <p:nvSpPr>
-          <p:cNvPr id="42" name="Rectangle 41"/>
-          <p:cNvSpPr/>
-          <p:nvPr/>
-        </p:nvSpPr>
-        <p:spPr>
-          <a:xfrm>
-            <a:off x="839077" y="2689571"/>
-            <a:ext cx="6026953" cy="865173"/>
-          </a:xfrm>
-          <a:prstGeom prst="rect">
-            <a:avLst/>
-          </a:prstGeom>
-        </p:spPr>
-        <p:txBody>
-          <a:bodyPr wrap="square">
-            <a:spAutoFit/>
-          </a:bodyPr>
-          <a:lstStyle/>
-          <a:p>
-            <a:pPr>
-              <a:lnSpc>
-                <a:spcPct val="140000"/>
-              </a:lnSpc>
-            </a:pPr>
-            <a:r>
-              <a:rPr lang="en-US" sz="4000" dirty="0">
-                <a:solidFill>
-                  <a:schemeClr val="bg1"/>
-                </a:solidFill>
-                <a:latin typeface="Roboto Light" charset="0"/>
-                <a:ea typeface="Roboto Light" charset="0"/>
-                <a:cs typeface="Roboto Light" charset="0"/>
-              </a:rPr>
-              <a:t>TRAITEMENT IMAGES</a:t>
-            </a:r>
-          </a:p>
-        </p:txBody>
-      </p:sp>
-      <p:sp>
-        <p:nvSpPr>
-          <p:cNvPr id="43" name="Rectangle 42"/>
-          <p:cNvSpPr/>
-          <p:nvPr/>
-        </p:nvSpPr>
-        <p:spPr>
-          <a:xfrm>
-            <a:off x="839077" y="3681559"/>
-            <a:ext cx="6026953" cy="461665"/>
-          </a:xfrm>
-          <a:prstGeom prst="rect">
-            <a:avLst/>
-          </a:prstGeom>
-        </p:spPr>
-        <p:txBody>
-          <a:bodyPr wrap="square">
-            <a:spAutoFit/>
-          </a:bodyPr>
-          <a:lstStyle/>
-          <a:p>
-            <a:r>
-              <a:rPr lang="en-US" sz="2400" dirty="0">
-                <a:solidFill>
-                  <a:schemeClr val="bg1"/>
-                </a:solidFill>
-                <a:latin typeface="Roboto Thin" charset="0"/>
-                <a:ea typeface="Roboto Thin" charset="0"/>
-                <a:cs typeface="Roboto Thin" charset="0"/>
-              </a:rPr>
-              <a:t>Module OPEN-CV + </a:t>
-            </a:r>
-            <a:r>
-              <a:rPr lang="en-US" sz="2400" dirty="0" err="1">
-                <a:solidFill>
-                  <a:schemeClr val="bg1"/>
-                </a:solidFill>
-                <a:latin typeface="Roboto Thin" charset="0"/>
-                <a:ea typeface="Roboto Thin" charset="0"/>
-                <a:cs typeface="Roboto Thin" charset="0"/>
-              </a:rPr>
-              <a:t>Simulateur</a:t>
-            </a:r>
-            <a:endParaRPr lang="en-US" sz="2400" dirty="0">
-              <a:solidFill>
-                <a:schemeClr val="bg1"/>
-              </a:solidFill>
-              <a:latin typeface="Roboto Thin" charset="0"/>
-              <a:ea typeface="Roboto Thin" charset="0"/>
-              <a:cs typeface="Roboto Thin" charset="0"/>
-            </a:endParaRPr>
-          </a:p>
-        </p:txBody>
-      </p:sp>
-    </p:spTree>
-    <p:extLst>
-      <p:ext uri="{BB962C8B-B14F-4D97-AF65-F5344CB8AC3E}">
-        <p14:creationId xmlns:p14="http://schemas.microsoft.com/office/powerpoint/2010/main" val="1438537945"/>
       </p:ext>
     </p:extLst>
   </p:cSld>
